--- a/Figures/Arcs/Old_Architecture_DeterParam.pptx
+++ b/Figures/Arcs/Old_Architecture_DeterParam.pptx
@@ -5,8 +5,10 @@
     <p:sldMasterId id="2147483648" r:id="rId1"/>
   </p:sldMasterIdLst>
   <p:sldIdLst>
-    <p:sldId id="256" r:id="rId2"/>
-    <p:sldId id="257" r:id="rId3"/>
+    <p:sldId id="259" r:id="rId2"/>
+    <p:sldId id="258" r:id="rId3"/>
+    <p:sldId id="256" r:id="rId4"/>
+    <p:sldId id="257" r:id="rId5"/>
   </p:sldIdLst>
   <p:sldSz cx="12192000" cy="6858000"/>
   <p:notesSz cx="6858000" cy="9144000"/>
@@ -260,7 +262,7 @@
           <a:p>
             <a:fld id="{F10AD0CF-67A3-9C41-B19A-F5AA529395DE}" type="datetimeFigureOut">
               <a:rPr lang="en-US" smtClean="0"/>
-              <a:t>6/28/23</a:t>
+              <a:t>9/28/23</a:t>
             </a:fld>
             <a:endParaRPr lang="en-US"/>
           </a:p>
@@ -458,7 +460,7 @@
           <a:p>
             <a:fld id="{F10AD0CF-67A3-9C41-B19A-F5AA529395DE}" type="datetimeFigureOut">
               <a:rPr lang="en-US" smtClean="0"/>
-              <a:t>6/28/23</a:t>
+              <a:t>9/28/23</a:t>
             </a:fld>
             <a:endParaRPr lang="en-US"/>
           </a:p>
@@ -666,7 +668,7 @@
           <a:p>
             <a:fld id="{F10AD0CF-67A3-9C41-B19A-F5AA529395DE}" type="datetimeFigureOut">
               <a:rPr lang="en-US" smtClean="0"/>
-              <a:t>6/28/23</a:t>
+              <a:t>9/28/23</a:t>
             </a:fld>
             <a:endParaRPr lang="en-US"/>
           </a:p>
@@ -864,7 +866,7 @@
           <a:p>
             <a:fld id="{F10AD0CF-67A3-9C41-B19A-F5AA529395DE}" type="datetimeFigureOut">
               <a:rPr lang="en-US" smtClean="0"/>
-              <a:t>6/28/23</a:t>
+              <a:t>9/28/23</a:t>
             </a:fld>
             <a:endParaRPr lang="en-US"/>
           </a:p>
@@ -1139,7 +1141,7 @@
           <a:p>
             <a:fld id="{F10AD0CF-67A3-9C41-B19A-F5AA529395DE}" type="datetimeFigureOut">
               <a:rPr lang="en-US" smtClean="0"/>
-              <a:t>6/28/23</a:t>
+              <a:t>9/28/23</a:t>
             </a:fld>
             <a:endParaRPr lang="en-US"/>
           </a:p>
@@ -1404,7 +1406,7 @@
           <a:p>
             <a:fld id="{F10AD0CF-67A3-9C41-B19A-F5AA529395DE}" type="datetimeFigureOut">
               <a:rPr lang="en-US" smtClean="0"/>
-              <a:t>6/28/23</a:t>
+              <a:t>9/28/23</a:t>
             </a:fld>
             <a:endParaRPr lang="en-US"/>
           </a:p>
@@ -1816,7 +1818,7 @@
           <a:p>
             <a:fld id="{F10AD0CF-67A3-9C41-B19A-F5AA529395DE}" type="datetimeFigureOut">
               <a:rPr lang="en-US" smtClean="0"/>
-              <a:t>6/28/23</a:t>
+              <a:t>9/28/23</a:t>
             </a:fld>
             <a:endParaRPr lang="en-US"/>
           </a:p>
@@ -1957,7 +1959,7 @@
           <a:p>
             <a:fld id="{F10AD0CF-67A3-9C41-B19A-F5AA529395DE}" type="datetimeFigureOut">
               <a:rPr lang="en-US" smtClean="0"/>
-              <a:t>6/28/23</a:t>
+              <a:t>9/28/23</a:t>
             </a:fld>
             <a:endParaRPr lang="en-US"/>
           </a:p>
@@ -2070,7 +2072,7 @@
           <a:p>
             <a:fld id="{F10AD0CF-67A3-9C41-B19A-F5AA529395DE}" type="datetimeFigureOut">
               <a:rPr lang="en-US" smtClean="0"/>
-              <a:t>6/28/23</a:t>
+              <a:t>9/28/23</a:t>
             </a:fld>
             <a:endParaRPr lang="en-US"/>
           </a:p>
@@ -2381,7 +2383,7 @@
           <a:p>
             <a:fld id="{F10AD0CF-67A3-9C41-B19A-F5AA529395DE}" type="datetimeFigureOut">
               <a:rPr lang="en-US" smtClean="0"/>
-              <a:t>6/28/23</a:t>
+              <a:t>9/28/23</a:t>
             </a:fld>
             <a:endParaRPr lang="en-US"/>
           </a:p>
@@ -2669,7 +2671,7 @@
           <a:p>
             <a:fld id="{F10AD0CF-67A3-9C41-B19A-F5AA529395DE}" type="datetimeFigureOut">
               <a:rPr lang="en-US" smtClean="0"/>
-              <a:t>6/28/23</a:t>
+              <a:t>9/28/23</a:t>
             </a:fld>
             <a:endParaRPr lang="en-US"/>
           </a:p>
@@ -2910,7 +2912,7 @@
           <a:p>
             <a:fld id="{F10AD0CF-67A3-9C41-B19A-F5AA529395DE}" type="datetimeFigureOut">
               <a:rPr lang="en-US" smtClean="0"/>
-              <a:t>6/28/23</a:t>
+              <a:t>9/28/23</a:t>
             </a:fld>
             <a:endParaRPr lang="en-US"/>
           </a:p>
@@ -3329,6 +3331,2980 @@
       </p:grpSpPr>
       <p:sp>
         <p:nvSpPr>
+          <p:cNvPr id="29" name="Can 28">
+            <a:extLst>
+              <a:ext uri="{FF2B5EF4-FFF2-40B4-BE49-F238E27FC236}">
+                <a16:creationId xmlns:a16="http://schemas.microsoft.com/office/drawing/2014/main" id="{B8281C8D-4FD2-216F-775F-8122310A1894}"/>
+              </a:ext>
+            </a:extLst>
+          </p:cNvPr>
+          <p:cNvSpPr/>
+          <p:nvPr/>
+        </p:nvSpPr>
+        <p:spPr>
+          <a:xfrm>
+            <a:off x="1961268" y="2714959"/>
+            <a:ext cx="352803" cy="256860"/>
+          </a:xfrm>
+          <a:prstGeom prst="can">
+            <a:avLst/>
+          </a:prstGeom>
+          <a:solidFill>
+            <a:schemeClr val="bg1"/>
+          </a:solidFill>
+          <a:ln w="28575" cmpd="sng">
+            <a:solidFill>
+              <a:schemeClr val="tx1"/>
+            </a:solidFill>
+          </a:ln>
+          <a:effectLst/>
+        </p:spPr>
+        <p:style>
+          <a:lnRef idx="1">
+            <a:schemeClr val="accent1"/>
+          </a:lnRef>
+          <a:fillRef idx="3">
+            <a:schemeClr val="accent1"/>
+          </a:fillRef>
+          <a:effectRef idx="2">
+            <a:schemeClr val="accent1"/>
+          </a:effectRef>
+          <a:fontRef idx="minor">
+            <a:schemeClr val="lt1"/>
+          </a:fontRef>
+        </p:style>
+        <p:txBody>
+          <a:bodyPr rtlCol="0" anchor="ctr"/>
+          <a:lstStyle/>
+          <a:p>
+            <a:pPr algn="ctr"/>
+            <a:endParaRPr lang="en-US" sz="2000" dirty="0">
+              <a:solidFill>
+                <a:schemeClr val="tx1"/>
+              </a:solidFill>
+            </a:endParaRPr>
+          </a:p>
+        </p:txBody>
+      </p:sp>
+      <p:sp>
+        <p:nvSpPr>
+          <p:cNvPr id="30" name="TextBox 29">
+            <a:extLst>
+              <a:ext uri="{FF2B5EF4-FFF2-40B4-BE49-F238E27FC236}">
+                <a16:creationId xmlns:a16="http://schemas.microsoft.com/office/drawing/2014/main" id="{6E3FB8F6-7267-AB43-9206-9DC808EE09F8}"/>
+              </a:ext>
+            </a:extLst>
+          </p:cNvPr>
+          <p:cNvSpPr txBox="1"/>
+          <p:nvPr/>
+        </p:nvSpPr>
+        <p:spPr>
+          <a:xfrm>
+            <a:off x="1533997" y="2651091"/>
+            <a:ext cx="510139" cy="369332"/>
+          </a:xfrm>
+          <a:prstGeom prst="rect">
+            <a:avLst/>
+          </a:prstGeom>
+          <a:noFill/>
+        </p:spPr>
+        <p:txBody>
+          <a:bodyPr wrap="square" rtlCol="0">
+            <a:spAutoFit/>
+          </a:bodyPr>
+          <a:lstStyle/>
+          <a:p>
+            <a:pPr algn="ctr"/>
+            <a:r>
+              <a:rPr lang="en-US" dirty="0"/>
+              <a:t>S</a:t>
+            </a:r>
+            <a:r>
+              <a:rPr lang="en-US" baseline="-25000" dirty="0"/>
+              <a:t>1</a:t>
+            </a:r>
+            <a:endParaRPr lang="en-US" dirty="0"/>
+          </a:p>
+        </p:txBody>
+      </p:sp>
+      <p:sp>
+        <p:nvSpPr>
+          <p:cNvPr id="31" name="Can 30">
+            <a:extLst>
+              <a:ext uri="{FF2B5EF4-FFF2-40B4-BE49-F238E27FC236}">
+                <a16:creationId xmlns:a16="http://schemas.microsoft.com/office/drawing/2014/main" id="{71ECD637-C4CD-81F5-36DF-B34220C7E6D2}"/>
+              </a:ext>
+            </a:extLst>
+          </p:cNvPr>
+          <p:cNvSpPr/>
+          <p:nvPr/>
+        </p:nvSpPr>
+        <p:spPr>
+          <a:xfrm>
+            <a:off x="1961268" y="5059234"/>
+            <a:ext cx="352803" cy="256860"/>
+          </a:xfrm>
+          <a:prstGeom prst="can">
+            <a:avLst/>
+          </a:prstGeom>
+          <a:solidFill>
+            <a:schemeClr val="bg1"/>
+          </a:solidFill>
+          <a:ln w="28575" cmpd="sng">
+            <a:solidFill>
+              <a:schemeClr val="tx1"/>
+            </a:solidFill>
+          </a:ln>
+          <a:effectLst/>
+        </p:spPr>
+        <p:style>
+          <a:lnRef idx="1">
+            <a:schemeClr val="accent1"/>
+          </a:lnRef>
+          <a:fillRef idx="3">
+            <a:schemeClr val="accent1"/>
+          </a:fillRef>
+          <a:effectRef idx="2">
+            <a:schemeClr val="accent1"/>
+          </a:effectRef>
+          <a:fontRef idx="minor">
+            <a:schemeClr val="lt1"/>
+          </a:fontRef>
+        </p:style>
+        <p:txBody>
+          <a:bodyPr rtlCol="0" anchor="ctr"/>
+          <a:lstStyle/>
+          <a:p>
+            <a:pPr algn="ctr"/>
+            <a:endParaRPr lang="en-US" sz="2000" dirty="0">
+              <a:solidFill>
+                <a:schemeClr val="tx1"/>
+              </a:solidFill>
+            </a:endParaRPr>
+          </a:p>
+        </p:txBody>
+      </p:sp>
+      <p:sp>
+        <p:nvSpPr>
+          <p:cNvPr id="32" name="TextBox 31">
+            <a:extLst>
+              <a:ext uri="{FF2B5EF4-FFF2-40B4-BE49-F238E27FC236}">
+                <a16:creationId xmlns:a16="http://schemas.microsoft.com/office/drawing/2014/main" id="{065A53E4-9B1F-4547-4A0C-C35929A8098E}"/>
+              </a:ext>
+            </a:extLst>
+          </p:cNvPr>
+          <p:cNvSpPr txBox="1"/>
+          <p:nvPr/>
+        </p:nvSpPr>
+        <p:spPr>
+          <a:xfrm>
+            <a:off x="1533997" y="5002998"/>
+            <a:ext cx="510139" cy="369332"/>
+          </a:xfrm>
+          <a:prstGeom prst="rect">
+            <a:avLst/>
+          </a:prstGeom>
+          <a:noFill/>
+        </p:spPr>
+        <p:txBody>
+          <a:bodyPr wrap="square" rtlCol="0">
+            <a:spAutoFit/>
+          </a:bodyPr>
+          <a:lstStyle/>
+          <a:p>
+            <a:pPr algn="ctr"/>
+            <a:r>
+              <a:rPr lang="en-US" dirty="0"/>
+              <a:t>S</a:t>
+            </a:r>
+            <a:r>
+              <a:rPr lang="en-US" baseline="-25000" dirty="0"/>
+              <a:t>2</a:t>
+            </a:r>
+            <a:endParaRPr lang="en-US" dirty="0"/>
+          </a:p>
+        </p:txBody>
+      </p:sp>
+      <p:sp>
+        <p:nvSpPr>
+          <p:cNvPr id="35" name="Oval 34">
+            <a:extLst>
+              <a:ext uri="{FF2B5EF4-FFF2-40B4-BE49-F238E27FC236}">
+                <a16:creationId xmlns:a16="http://schemas.microsoft.com/office/drawing/2014/main" id="{A87A455A-D623-1965-F7F4-6AD1C8C90514}"/>
+              </a:ext>
+            </a:extLst>
+          </p:cNvPr>
+          <p:cNvSpPr/>
+          <p:nvPr/>
+        </p:nvSpPr>
+        <p:spPr>
+          <a:xfrm>
+            <a:off x="2094193" y="5609112"/>
+            <a:ext cx="86952" cy="86952"/>
+          </a:xfrm>
+          <a:prstGeom prst="ellipse">
+            <a:avLst/>
+          </a:prstGeom>
+          <a:solidFill>
+            <a:schemeClr val="tx1"/>
+          </a:solidFill>
+          <a:ln>
+            <a:noFill/>
+          </a:ln>
+        </p:spPr>
+        <p:style>
+          <a:lnRef idx="2">
+            <a:schemeClr val="dk1">
+              <a:shade val="15000"/>
+            </a:schemeClr>
+          </a:lnRef>
+          <a:fillRef idx="1">
+            <a:schemeClr val="dk1"/>
+          </a:fillRef>
+          <a:effectRef idx="0">
+            <a:schemeClr val="dk1"/>
+          </a:effectRef>
+          <a:fontRef idx="minor">
+            <a:schemeClr val="lt1"/>
+          </a:fontRef>
+        </p:style>
+        <p:txBody>
+          <a:bodyPr rtlCol="0" anchor="ctr"/>
+          <a:lstStyle/>
+          <a:p>
+            <a:pPr algn="ctr"/>
+            <a:endParaRPr lang="en-US"/>
+          </a:p>
+        </p:txBody>
+      </p:sp>
+      <p:sp>
+        <p:nvSpPr>
+          <p:cNvPr id="36" name="Oval 35">
+            <a:extLst>
+              <a:ext uri="{FF2B5EF4-FFF2-40B4-BE49-F238E27FC236}">
+                <a16:creationId xmlns:a16="http://schemas.microsoft.com/office/drawing/2014/main" id="{7CA8EB56-8FF3-ECDD-999A-C60F34AE2695}"/>
+              </a:ext>
+            </a:extLst>
+          </p:cNvPr>
+          <p:cNvSpPr/>
+          <p:nvPr/>
+        </p:nvSpPr>
+        <p:spPr>
+          <a:xfrm>
+            <a:off x="2094193" y="5757876"/>
+            <a:ext cx="86952" cy="86952"/>
+          </a:xfrm>
+          <a:prstGeom prst="ellipse">
+            <a:avLst/>
+          </a:prstGeom>
+          <a:solidFill>
+            <a:schemeClr val="tx1"/>
+          </a:solidFill>
+          <a:ln>
+            <a:noFill/>
+          </a:ln>
+        </p:spPr>
+        <p:style>
+          <a:lnRef idx="2">
+            <a:schemeClr val="dk1">
+              <a:shade val="15000"/>
+            </a:schemeClr>
+          </a:lnRef>
+          <a:fillRef idx="1">
+            <a:schemeClr val="dk1"/>
+          </a:fillRef>
+          <a:effectRef idx="0">
+            <a:schemeClr val="dk1"/>
+          </a:effectRef>
+          <a:fontRef idx="minor">
+            <a:schemeClr val="lt1"/>
+          </a:fontRef>
+        </p:style>
+        <p:txBody>
+          <a:bodyPr rtlCol="0" anchor="ctr"/>
+          <a:lstStyle/>
+          <a:p>
+            <a:pPr algn="ctr"/>
+            <a:endParaRPr lang="en-US"/>
+          </a:p>
+        </p:txBody>
+      </p:sp>
+      <p:sp>
+        <p:nvSpPr>
+          <p:cNvPr id="54" name="Card 53">
+            <a:extLst>
+              <a:ext uri="{FF2B5EF4-FFF2-40B4-BE49-F238E27FC236}">
+                <a16:creationId xmlns:a16="http://schemas.microsoft.com/office/drawing/2014/main" id="{61AE9B96-D4C6-5050-5700-B563A49E132F}"/>
+              </a:ext>
+            </a:extLst>
+          </p:cNvPr>
+          <p:cNvSpPr/>
+          <p:nvPr/>
+        </p:nvSpPr>
+        <p:spPr>
+          <a:xfrm flipH="1">
+            <a:off x="2871160" y="3247133"/>
+            <a:ext cx="2319944" cy="516165"/>
+          </a:xfrm>
+          <a:prstGeom prst="flowChartPunchedCard">
+            <a:avLst/>
+          </a:prstGeom>
+          <a:solidFill>
+            <a:schemeClr val="bg1"/>
+          </a:solidFill>
+          <a:ln w="41275">
+            <a:solidFill>
+              <a:schemeClr val="tx1"/>
+            </a:solidFill>
+          </a:ln>
+          <a:effectLst/>
+        </p:spPr>
+        <p:style>
+          <a:lnRef idx="1">
+            <a:schemeClr val="accent1"/>
+          </a:lnRef>
+          <a:fillRef idx="3">
+            <a:schemeClr val="accent1"/>
+          </a:fillRef>
+          <a:effectRef idx="2">
+            <a:schemeClr val="accent1"/>
+          </a:effectRef>
+          <a:fontRef idx="minor">
+            <a:schemeClr val="lt1"/>
+          </a:fontRef>
+        </p:style>
+        <p:txBody>
+          <a:bodyPr rtlCol="0" anchor="ctr"/>
+          <a:lstStyle/>
+          <a:p>
+            <a:pPr algn="ctr"/>
+            <a:r>
+              <a:rPr lang="en-US" sz="2000" dirty="0" err="1">
+                <a:solidFill>
+                  <a:schemeClr val="tx1"/>
+                </a:solidFill>
+              </a:rPr>
+              <a:t>KMeans</a:t>
+            </a:r>
+            <a:endParaRPr lang="en-US" sz="2000" dirty="0">
+              <a:solidFill>
+                <a:schemeClr val="tx1"/>
+              </a:solidFill>
+            </a:endParaRPr>
+          </a:p>
+        </p:txBody>
+      </p:sp>
+      <p:sp>
+        <p:nvSpPr>
+          <p:cNvPr id="66" name="Card 65">
+            <a:extLst>
+              <a:ext uri="{FF2B5EF4-FFF2-40B4-BE49-F238E27FC236}">
+                <a16:creationId xmlns:a16="http://schemas.microsoft.com/office/drawing/2014/main" id="{2A7BB8AC-42A2-C1B4-880C-A535674FECA1}"/>
+              </a:ext>
+            </a:extLst>
+          </p:cNvPr>
+          <p:cNvSpPr/>
+          <p:nvPr/>
+        </p:nvSpPr>
+        <p:spPr>
+          <a:xfrm flipH="1">
+            <a:off x="2853941" y="3937457"/>
+            <a:ext cx="2319943" cy="1443821"/>
+          </a:xfrm>
+          <a:prstGeom prst="flowChartPunchedCard">
+            <a:avLst/>
+          </a:prstGeom>
+          <a:solidFill>
+            <a:schemeClr val="bg1"/>
+          </a:solidFill>
+          <a:ln w="41275">
+            <a:solidFill>
+              <a:schemeClr val="tx1"/>
+            </a:solidFill>
+          </a:ln>
+          <a:effectLst/>
+        </p:spPr>
+        <p:style>
+          <a:lnRef idx="1">
+            <a:schemeClr val="accent1"/>
+          </a:lnRef>
+          <a:fillRef idx="3">
+            <a:schemeClr val="accent1"/>
+          </a:fillRef>
+          <a:effectRef idx="2">
+            <a:schemeClr val="accent1"/>
+          </a:effectRef>
+          <a:fontRef idx="minor">
+            <a:schemeClr val="lt1"/>
+          </a:fontRef>
+        </p:style>
+        <p:txBody>
+          <a:bodyPr rtlCol="0" anchor="ctr"/>
+          <a:lstStyle/>
+          <a:p>
+            <a:pPr algn="ctr"/>
+            <a:r>
+              <a:rPr lang="en-US" sz="2000" dirty="0">
+                <a:solidFill>
+                  <a:schemeClr val="tx1"/>
+                </a:solidFill>
+              </a:rPr>
+              <a:t>Original </a:t>
+            </a:r>
+          </a:p>
+          <a:p>
+            <a:pPr algn="ctr"/>
+            <a:r>
+              <a:rPr lang="en-US" sz="2000" dirty="0">
+                <a:solidFill>
+                  <a:schemeClr val="tx1"/>
+                </a:solidFill>
+              </a:rPr>
+              <a:t> Implementation</a:t>
+            </a:r>
+          </a:p>
+          <a:p>
+            <a:pPr algn="ctr"/>
+            <a:r>
+              <a:rPr lang="en-US" sz="1600" dirty="0">
+                <a:solidFill>
+                  <a:schemeClr val="tx1"/>
+                </a:solidFill>
+              </a:rPr>
+              <a:t>Parameters: [P</a:t>
+            </a:r>
+            <a:r>
+              <a:rPr lang="en-US" sz="1600" baseline="-25000" dirty="0">
+                <a:solidFill>
+                  <a:schemeClr val="tx1"/>
+                </a:solidFill>
+              </a:rPr>
+              <a:t>1</a:t>
+            </a:r>
+            <a:r>
+              <a:rPr lang="en-US" sz="1600" dirty="0">
+                <a:solidFill>
+                  <a:schemeClr val="tx1"/>
+                </a:solidFill>
+              </a:rPr>
+              <a:t>:b,…]</a:t>
+            </a:r>
+          </a:p>
+          <a:p>
+            <a:pPr algn="ctr"/>
+            <a:endParaRPr lang="en-US" sz="2000" dirty="0">
+              <a:solidFill>
+                <a:schemeClr val="tx1"/>
+              </a:solidFill>
+            </a:endParaRPr>
+          </a:p>
+        </p:txBody>
+      </p:sp>
+      <p:sp>
+        <p:nvSpPr>
+          <p:cNvPr id="69" name="Card 68">
+            <a:extLst>
+              <a:ext uri="{FF2B5EF4-FFF2-40B4-BE49-F238E27FC236}">
+                <a16:creationId xmlns:a16="http://schemas.microsoft.com/office/drawing/2014/main" id="{DE6E25A4-7CC6-609E-009A-0199A5EE53B8}"/>
+              </a:ext>
+            </a:extLst>
+          </p:cNvPr>
+          <p:cNvSpPr/>
+          <p:nvPr/>
+        </p:nvSpPr>
+        <p:spPr>
+          <a:xfrm flipH="1">
+            <a:off x="2853941" y="5524839"/>
+            <a:ext cx="2337164" cy="516165"/>
+          </a:xfrm>
+          <a:prstGeom prst="flowChartPunchedCard">
+            <a:avLst/>
+          </a:prstGeom>
+          <a:solidFill>
+            <a:schemeClr val="bg1"/>
+          </a:solidFill>
+          <a:ln w="41275">
+            <a:solidFill>
+              <a:schemeClr val="tx1"/>
+            </a:solidFill>
+          </a:ln>
+          <a:effectLst/>
+        </p:spPr>
+        <p:style>
+          <a:lnRef idx="1">
+            <a:schemeClr val="accent1"/>
+          </a:lnRef>
+          <a:fillRef idx="3">
+            <a:schemeClr val="accent1"/>
+          </a:fillRef>
+          <a:effectRef idx="2">
+            <a:schemeClr val="accent1"/>
+          </a:effectRef>
+          <a:fontRef idx="minor">
+            <a:schemeClr val="lt1"/>
+          </a:fontRef>
+        </p:style>
+        <p:txBody>
+          <a:bodyPr rtlCol="0" anchor="ctr"/>
+          <a:lstStyle/>
+          <a:p>
+            <a:pPr algn="ctr"/>
+            <a:r>
+              <a:rPr lang="en-US" sz="2000" dirty="0" err="1">
+                <a:solidFill>
+                  <a:schemeClr val="tx1"/>
+                </a:solidFill>
+              </a:rPr>
+              <a:t>KMeans</a:t>
+            </a:r>
+            <a:endParaRPr lang="en-US" sz="2000" dirty="0">
+              <a:solidFill>
+                <a:schemeClr val="tx1"/>
+              </a:solidFill>
+            </a:endParaRPr>
+          </a:p>
+        </p:txBody>
+      </p:sp>
+      <p:sp>
+        <p:nvSpPr>
+          <p:cNvPr id="114" name="Rectangle 113">
+            <a:extLst>
+              <a:ext uri="{FF2B5EF4-FFF2-40B4-BE49-F238E27FC236}">
+                <a16:creationId xmlns:a16="http://schemas.microsoft.com/office/drawing/2014/main" id="{A78A02CD-9247-091A-D7DF-959E74D540A7}"/>
+              </a:ext>
+            </a:extLst>
+          </p:cNvPr>
+          <p:cNvSpPr/>
+          <p:nvPr/>
+        </p:nvSpPr>
+        <p:spPr>
+          <a:xfrm>
+            <a:off x="6390167" y="3573461"/>
+            <a:ext cx="2615949" cy="1065439"/>
+          </a:xfrm>
+          <a:prstGeom prst="rect">
+            <a:avLst/>
+          </a:prstGeom>
+          <a:noFill/>
+        </p:spPr>
+        <p:style>
+          <a:lnRef idx="2">
+            <a:schemeClr val="dk1"/>
+          </a:lnRef>
+          <a:fillRef idx="1">
+            <a:schemeClr val="lt1"/>
+          </a:fillRef>
+          <a:effectRef idx="0">
+            <a:schemeClr val="dk1"/>
+          </a:effectRef>
+          <a:fontRef idx="minor">
+            <a:schemeClr val="dk1"/>
+          </a:fontRef>
+        </p:style>
+        <p:txBody>
+          <a:bodyPr rtlCol="0" anchor="ctr"/>
+          <a:lstStyle/>
+          <a:p>
+            <a:pPr algn="ctr"/>
+            <a:r>
+              <a:rPr lang="en-US" sz="1600" dirty="0"/>
+              <a:t>HAPV: [P</a:t>
+            </a:r>
+            <a:r>
+              <a:rPr lang="en-US" sz="1600" baseline="-25000" dirty="0"/>
+              <a:t>1</a:t>
+            </a:r>
+            <a:r>
+              <a:rPr lang="en-US" sz="1600" dirty="0"/>
+              <a:t>:a (if </a:t>
+            </a:r>
+            <a:r>
+              <a:rPr lang="en-US" sz="1600" dirty="0" err="1"/>
+              <a:t>ARI</a:t>
+            </a:r>
+            <a:r>
+              <a:rPr lang="en-US" sz="1600" baseline="-25000" dirty="0" err="1"/>
+              <a:t>a</a:t>
+            </a:r>
+            <a:r>
+              <a:rPr lang="en-US" sz="1600" dirty="0"/>
+              <a:t> &gt;</a:t>
+            </a:r>
+            <a:r>
+              <a:rPr lang="en-US" sz="1600" dirty="0" err="1"/>
+              <a:t>ARI</a:t>
+            </a:r>
+            <a:r>
+              <a:rPr lang="en-US" sz="1600" baseline="-25000" dirty="0" err="1"/>
+              <a:t>b</a:t>
+            </a:r>
+            <a:r>
+              <a:rPr lang="en-US" sz="1600" dirty="0"/>
+              <a:t>),…]</a:t>
+            </a:r>
+            <a:endParaRPr lang="en-US" dirty="0"/>
+          </a:p>
+        </p:txBody>
+      </p:sp>
+      <p:cxnSp>
+        <p:nvCxnSpPr>
+          <p:cNvPr id="14" name="Elbow Connector 13">
+            <a:extLst>
+              <a:ext uri="{FF2B5EF4-FFF2-40B4-BE49-F238E27FC236}">
+                <a16:creationId xmlns:a16="http://schemas.microsoft.com/office/drawing/2014/main" id="{1686AE24-10B9-B606-C7FF-ECF221EE265C}"/>
+              </a:ext>
+            </a:extLst>
+          </p:cNvPr>
+          <p:cNvCxnSpPr>
+            <a:cxnSpLocks/>
+            <a:stCxn id="31" idx="4"/>
+          </p:cNvCxnSpPr>
+          <p:nvPr/>
+        </p:nvCxnSpPr>
+        <p:spPr>
+          <a:xfrm flipV="1">
+            <a:off x="2314071" y="4657536"/>
+            <a:ext cx="530523" cy="530128"/>
+          </a:xfrm>
+          <a:prstGeom prst="bentConnector3">
+            <a:avLst/>
+          </a:prstGeom>
+          <a:ln w="38100" cap="flat" cmpd="sng" algn="ctr">
+            <a:solidFill>
+              <a:schemeClr val="dk1"/>
+            </a:solidFill>
+            <a:prstDash val="solid"/>
+            <a:round/>
+            <a:headEnd type="none" w="med" len="med"/>
+            <a:tailEnd type="arrow" w="med" len="med"/>
+          </a:ln>
+        </p:spPr>
+        <p:style>
+          <a:lnRef idx="0">
+            <a:scrgbClr r="0" g="0" b="0"/>
+          </a:lnRef>
+          <a:fillRef idx="0">
+            <a:scrgbClr r="0" g="0" b="0"/>
+          </a:fillRef>
+          <a:effectRef idx="0">
+            <a:scrgbClr r="0" g="0" b="0"/>
+          </a:effectRef>
+          <a:fontRef idx="minor">
+            <a:schemeClr val="tx1"/>
+          </a:fontRef>
+        </p:style>
+      </p:cxnSp>
+      <p:cxnSp>
+        <p:nvCxnSpPr>
+          <p:cNvPr id="16" name="Elbow Connector 15">
+            <a:extLst>
+              <a:ext uri="{FF2B5EF4-FFF2-40B4-BE49-F238E27FC236}">
+                <a16:creationId xmlns:a16="http://schemas.microsoft.com/office/drawing/2014/main" id="{6C56A654-2050-4C1F-DFD7-3ED7CD5B077C}"/>
+              </a:ext>
+            </a:extLst>
+          </p:cNvPr>
+          <p:cNvCxnSpPr>
+            <a:cxnSpLocks/>
+            <a:stCxn id="31" idx="4"/>
+            <a:endCxn id="69" idx="3"/>
+          </p:cNvCxnSpPr>
+          <p:nvPr/>
+        </p:nvCxnSpPr>
+        <p:spPr>
+          <a:xfrm>
+            <a:off x="2314071" y="5187664"/>
+            <a:ext cx="539870" cy="595258"/>
+          </a:xfrm>
+          <a:prstGeom prst="bentConnector3">
+            <a:avLst>
+              <a:gd name="adj1" fmla="val 50000"/>
+            </a:avLst>
+          </a:prstGeom>
+          <a:ln w="38100" cap="flat" cmpd="sng" algn="ctr">
+            <a:solidFill>
+              <a:schemeClr val="dk1"/>
+            </a:solidFill>
+            <a:prstDash val="solid"/>
+            <a:round/>
+            <a:headEnd type="none" w="med" len="med"/>
+            <a:tailEnd type="arrow" w="med" len="med"/>
+          </a:ln>
+        </p:spPr>
+        <p:style>
+          <a:lnRef idx="0">
+            <a:scrgbClr r="0" g="0" b="0"/>
+          </a:lnRef>
+          <a:fillRef idx="0">
+            <a:scrgbClr r="0" g="0" b="0"/>
+          </a:fillRef>
+          <a:effectRef idx="0">
+            <a:scrgbClr r="0" g="0" b="0"/>
+          </a:effectRef>
+          <a:fontRef idx="minor">
+            <a:schemeClr val="tx1"/>
+          </a:fontRef>
+        </p:style>
+      </p:cxnSp>
+      <p:cxnSp>
+        <p:nvCxnSpPr>
+          <p:cNvPr id="22" name="Elbow Connector 21">
+            <a:extLst>
+              <a:ext uri="{FF2B5EF4-FFF2-40B4-BE49-F238E27FC236}">
+                <a16:creationId xmlns:a16="http://schemas.microsoft.com/office/drawing/2014/main" id="{AB9248D7-42DF-3B90-7C91-F4FA04E94871}"/>
+              </a:ext>
+            </a:extLst>
+          </p:cNvPr>
+          <p:cNvCxnSpPr>
+            <a:cxnSpLocks/>
+            <a:stCxn id="29" idx="4"/>
+          </p:cNvCxnSpPr>
+          <p:nvPr/>
+        </p:nvCxnSpPr>
+        <p:spPr>
+          <a:xfrm flipV="1">
+            <a:off x="2314071" y="2379830"/>
+            <a:ext cx="530523" cy="463559"/>
+          </a:xfrm>
+          <a:prstGeom prst="bentConnector3">
+            <a:avLst/>
+          </a:prstGeom>
+          <a:ln w="38100" cap="flat" cmpd="sng" algn="ctr">
+            <a:solidFill>
+              <a:schemeClr val="dk1"/>
+            </a:solidFill>
+            <a:prstDash val="solid"/>
+            <a:round/>
+            <a:headEnd type="none" w="med" len="med"/>
+            <a:tailEnd type="arrow" w="med" len="med"/>
+          </a:ln>
+        </p:spPr>
+        <p:style>
+          <a:lnRef idx="0">
+            <a:scrgbClr r="0" g="0" b="0"/>
+          </a:lnRef>
+          <a:fillRef idx="0">
+            <a:scrgbClr r="0" g="0" b="0"/>
+          </a:fillRef>
+          <a:effectRef idx="0">
+            <a:scrgbClr r="0" g="0" b="0"/>
+          </a:effectRef>
+          <a:fontRef idx="minor">
+            <a:schemeClr val="tx1"/>
+          </a:fontRef>
+        </p:style>
+      </p:cxnSp>
+      <p:cxnSp>
+        <p:nvCxnSpPr>
+          <p:cNvPr id="25" name="Elbow Connector 24">
+            <a:extLst>
+              <a:ext uri="{FF2B5EF4-FFF2-40B4-BE49-F238E27FC236}">
+                <a16:creationId xmlns:a16="http://schemas.microsoft.com/office/drawing/2014/main" id="{42D59679-B1AF-92E8-5598-A626B5B74191}"/>
+              </a:ext>
+            </a:extLst>
+          </p:cNvPr>
+          <p:cNvCxnSpPr>
+            <a:cxnSpLocks/>
+            <a:stCxn id="29" idx="4"/>
+            <a:endCxn id="54" idx="3"/>
+          </p:cNvCxnSpPr>
+          <p:nvPr/>
+        </p:nvCxnSpPr>
+        <p:spPr>
+          <a:xfrm>
+            <a:off x="2314071" y="2843389"/>
+            <a:ext cx="557089" cy="661827"/>
+          </a:xfrm>
+          <a:prstGeom prst="bentConnector3">
+            <a:avLst>
+              <a:gd name="adj1" fmla="val 47923"/>
+            </a:avLst>
+          </a:prstGeom>
+          <a:ln w="38100" cap="flat" cmpd="sng" algn="ctr">
+            <a:solidFill>
+              <a:schemeClr val="dk1"/>
+            </a:solidFill>
+            <a:prstDash val="solid"/>
+            <a:round/>
+            <a:headEnd type="none" w="med" len="med"/>
+            <a:tailEnd type="arrow" w="med" len="med"/>
+          </a:ln>
+        </p:spPr>
+        <p:style>
+          <a:lnRef idx="0">
+            <a:scrgbClr r="0" g="0" b="0"/>
+          </a:lnRef>
+          <a:fillRef idx="0">
+            <a:scrgbClr r="0" g="0" b="0"/>
+          </a:fillRef>
+          <a:effectRef idx="0">
+            <a:scrgbClr r="0" g="0" b="0"/>
+          </a:effectRef>
+          <a:fontRef idx="minor">
+            <a:schemeClr val="tx1"/>
+          </a:fontRef>
+        </p:style>
+      </p:cxnSp>
+      <p:sp>
+        <p:nvSpPr>
+          <p:cNvPr id="42" name="Decision 41">
+            <a:extLst>
+              <a:ext uri="{FF2B5EF4-FFF2-40B4-BE49-F238E27FC236}">
+                <a16:creationId xmlns:a16="http://schemas.microsoft.com/office/drawing/2014/main" id="{4D660C00-5694-716C-2EC0-B1C407D54ACB}"/>
+              </a:ext>
+            </a:extLst>
+          </p:cNvPr>
+          <p:cNvSpPr/>
+          <p:nvPr/>
+        </p:nvSpPr>
+        <p:spPr>
+          <a:xfrm>
+            <a:off x="5341738" y="4913721"/>
+            <a:ext cx="1878298" cy="615751"/>
+          </a:xfrm>
+          <a:prstGeom prst="flowChartDecision">
+            <a:avLst/>
+          </a:prstGeom>
+          <a:ln w="38100"/>
+        </p:spPr>
+        <p:style>
+          <a:lnRef idx="2">
+            <a:schemeClr val="dk1"/>
+          </a:lnRef>
+          <a:fillRef idx="1">
+            <a:schemeClr val="lt1"/>
+          </a:fillRef>
+          <a:effectRef idx="0">
+            <a:schemeClr val="dk1"/>
+          </a:effectRef>
+          <a:fontRef idx="minor">
+            <a:schemeClr val="dk1"/>
+          </a:fontRef>
+        </p:style>
+        <p:txBody>
+          <a:bodyPr rtlCol="0" anchor="ctr"/>
+          <a:lstStyle/>
+          <a:p>
+            <a:pPr algn="ctr"/>
+            <a:endParaRPr lang="en-US" sz="1200" dirty="0"/>
+          </a:p>
+        </p:txBody>
+      </p:sp>
+      <p:sp>
+        <p:nvSpPr>
+          <p:cNvPr id="43" name="TextBox 42">
+            <a:extLst>
+              <a:ext uri="{FF2B5EF4-FFF2-40B4-BE49-F238E27FC236}">
+                <a16:creationId xmlns:a16="http://schemas.microsoft.com/office/drawing/2014/main" id="{F8B8E053-E94C-6C19-BC5E-9E30248770DD}"/>
+              </a:ext>
+            </a:extLst>
+          </p:cNvPr>
+          <p:cNvSpPr txBox="1"/>
+          <p:nvPr/>
+        </p:nvSpPr>
+        <p:spPr>
+          <a:xfrm>
+            <a:off x="5608931" y="5053532"/>
+            <a:ext cx="1340579" cy="336128"/>
+          </a:xfrm>
+          <a:prstGeom prst="rect">
+            <a:avLst/>
+          </a:prstGeom>
+          <a:noFill/>
+        </p:spPr>
+        <p:txBody>
+          <a:bodyPr wrap="square" rtlCol="0">
+            <a:spAutoFit/>
+          </a:bodyPr>
+          <a:lstStyle/>
+          <a:p>
+            <a:pPr algn="ctr"/>
+            <a:r>
+              <a:rPr lang="en-US" sz="1600" dirty="0" err="1"/>
+              <a:t>ARI</a:t>
+            </a:r>
+            <a:r>
+              <a:rPr lang="en-US" sz="1600" baseline="-25000" dirty="0" err="1"/>
+              <a:t>b</a:t>
+            </a:r>
+            <a:endParaRPr lang="en-US" sz="1600" baseline="-25000" dirty="0"/>
+          </a:p>
+        </p:txBody>
+      </p:sp>
+      <p:cxnSp>
+        <p:nvCxnSpPr>
+          <p:cNvPr id="44" name="Elbow Connector 43">
+            <a:extLst>
+              <a:ext uri="{FF2B5EF4-FFF2-40B4-BE49-F238E27FC236}">
+                <a16:creationId xmlns:a16="http://schemas.microsoft.com/office/drawing/2014/main" id="{A2AFD8A9-056F-AA7D-9071-F9A55548C028}"/>
+              </a:ext>
+            </a:extLst>
+          </p:cNvPr>
+          <p:cNvCxnSpPr>
+            <a:cxnSpLocks/>
+            <a:stCxn id="69" idx="1"/>
+            <a:endCxn id="42" idx="2"/>
+          </p:cNvCxnSpPr>
+          <p:nvPr/>
+        </p:nvCxnSpPr>
+        <p:spPr>
+          <a:xfrm flipV="1">
+            <a:off x="5191105" y="5529472"/>
+            <a:ext cx="1089782" cy="253450"/>
+          </a:xfrm>
+          <a:prstGeom prst="bentConnector2">
+            <a:avLst/>
+          </a:prstGeom>
+          <a:ln w="38100" cap="flat" cmpd="sng" algn="ctr">
+            <a:solidFill>
+              <a:schemeClr val="dk1"/>
+            </a:solidFill>
+            <a:prstDash val="solid"/>
+            <a:round/>
+            <a:headEnd type="none" w="med" len="med"/>
+            <a:tailEnd type="arrow" w="med" len="med"/>
+          </a:ln>
+        </p:spPr>
+        <p:style>
+          <a:lnRef idx="0">
+            <a:scrgbClr r="0" g="0" b="0"/>
+          </a:lnRef>
+          <a:fillRef idx="0">
+            <a:scrgbClr r="0" g="0" b="0"/>
+          </a:fillRef>
+          <a:effectRef idx="0">
+            <a:scrgbClr r="0" g="0" b="0"/>
+          </a:effectRef>
+          <a:fontRef idx="minor">
+            <a:schemeClr val="tx1"/>
+          </a:fontRef>
+        </p:style>
+      </p:cxnSp>
+      <p:cxnSp>
+        <p:nvCxnSpPr>
+          <p:cNvPr id="47" name="Elbow Connector 46">
+            <a:extLst>
+              <a:ext uri="{FF2B5EF4-FFF2-40B4-BE49-F238E27FC236}">
+                <a16:creationId xmlns:a16="http://schemas.microsoft.com/office/drawing/2014/main" id="{57D35D40-0BDB-B497-7E56-8DBCC0BE381F}"/>
+              </a:ext>
+            </a:extLst>
+          </p:cNvPr>
+          <p:cNvCxnSpPr>
+            <a:cxnSpLocks/>
+            <a:stCxn id="66" idx="1"/>
+            <a:endCxn id="42" idx="0"/>
+          </p:cNvCxnSpPr>
+          <p:nvPr/>
+        </p:nvCxnSpPr>
+        <p:spPr>
+          <a:xfrm>
+            <a:off x="5173884" y="4659368"/>
+            <a:ext cx="1107003" cy="254353"/>
+          </a:xfrm>
+          <a:prstGeom prst="bentConnector2">
+            <a:avLst/>
+          </a:prstGeom>
+          <a:ln w="38100" cap="flat" cmpd="sng" algn="ctr">
+            <a:solidFill>
+              <a:schemeClr val="dk1"/>
+            </a:solidFill>
+            <a:prstDash val="solid"/>
+            <a:round/>
+            <a:headEnd type="none" w="med" len="med"/>
+            <a:tailEnd type="arrow" w="med" len="med"/>
+          </a:ln>
+        </p:spPr>
+        <p:style>
+          <a:lnRef idx="0">
+            <a:scrgbClr r="0" g="0" b="0"/>
+          </a:lnRef>
+          <a:fillRef idx="0">
+            <a:scrgbClr r="0" g="0" b="0"/>
+          </a:fillRef>
+          <a:effectRef idx="0">
+            <a:scrgbClr r="0" g="0" b="0"/>
+          </a:effectRef>
+          <a:fontRef idx="minor">
+            <a:schemeClr val="tx1"/>
+          </a:fontRef>
+        </p:style>
+      </p:cxnSp>
+      <p:cxnSp>
+        <p:nvCxnSpPr>
+          <p:cNvPr id="52" name="Elbow Connector 51">
+            <a:extLst>
+              <a:ext uri="{FF2B5EF4-FFF2-40B4-BE49-F238E27FC236}">
+                <a16:creationId xmlns:a16="http://schemas.microsoft.com/office/drawing/2014/main" id="{9A35004C-8811-DF56-D5FA-E25F62731B41}"/>
+              </a:ext>
+            </a:extLst>
+          </p:cNvPr>
+          <p:cNvCxnSpPr>
+            <a:cxnSpLocks/>
+            <a:stCxn id="50" idx="3"/>
+            <a:endCxn id="114" idx="0"/>
+          </p:cNvCxnSpPr>
+          <p:nvPr/>
+        </p:nvCxnSpPr>
+        <p:spPr>
+          <a:xfrm>
+            <a:off x="7251662" y="2943891"/>
+            <a:ext cx="446480" cy="629570"/>
+          </a:xfrm>
+          <a:prstGeom prst="bentConnector2">
+            <a:avLst/>
+          </a:prstGeom>
+          <a:ln w="38100" cap="flat" cmpd="sng" algn="ctr">
+            <a:solidFill>
+              <a:schemeClr val="dk1"/>
+            </a:solidFill>
+            <a:prstDash val="solid"/>
+            <a:round/>
+            <a:headEnd type="none" w="med" len="med"/>
+            <a:tailEnd type="arrow" w="med" len="med"/>
+          </a:ln>
+        </p:spPr>
+        <p:style>
+          <a:lnRef idx="0">
+            <a:scrgbClr r="0" g="0" b="0"/>
+          </a:lnRef>
+          <a:fillRef idx="0">
+            <a:scrgbClr r="0" g="0" b="0"/>
+          </a:fillRef>
+          <a:effectRef idx="0">
+            <a:scrgbClr r="0" g="0" b="0"/>
+          </a:effectRef>
+          <a:fontRef idx="minor">
+            <a:schemeClr val="tx1"/>
+          </a:fontRef>
+        </p:style>
+      </p:cxnSp>
+      <p:sp>
+        <p:nvSpPr>
+          <p:cNvPr id="13" name="Oval 12">
+            <a:extLst>
+              <a:ext uri="{FF2B5EF4-FFF2-40B4-BE49-F238E27FC236}">
+                <a16:creationId xmlns:a16="http://schemas.microsoft.com/office/drawing/2014/main" id="{2D7FAC3F-1A6F-84D6-8FAA-E9457B1CCC50}"/>
+              </a:ext>
+            </a:extLst>
+          </p:cNvPr>
+          <p:cNvSpPr/>
+          <p:nvPr/>
+        </p:nvSpPr>
+        <p:spPr>
+          <a:xfrm>
+            <a:off x="2094193" y="5462556"/>
+            <a:ext cx="86952" cy="86952"/>
+          </a:xfrm>
+          <a:prstGeom prst="ellipse">
+            <a:avLst/>
+          </a:prstGeom>
+          <a:solidFill>
+            <a:schemeClr val="tx1"/>
+          </a:solidFill>
+          <a:ln>
+            <a:noFill/>
+          </a:ln>
+        </p:spPr>
+        <p:style>
+          <a:lnRef idx="2">
+            <a:schemeClr val="dk1">
+              <a:shade val="15000"/>
+            </a:schemeClr>
+          </a:lnRef>
+          <a:fillRef idx="1">
+            <a:schemeClr val="dk1"/>
+          </a:fillRef>
+          <a:effectRef idx="0">
+            <a:schemeClr val="dk1"/>
+          </a:effectRef>
+          <a:fontRef idx="minor">
+            <a:schemeClr val="lt1"/>
+          </a:fontRef>
+        </p:style>
+        <p:txBody>
+          <a:bodyPr rtlCol="0" anchor="ctr"/>
+          <a:lstStyle/>
+          <a:p>
+            <a:pPr algn="ctr"/>
+            <a:endParaRPr lang="en-US"/>
+          </a:p>
+        </p:txBody>
+      </p:sp>
+      <p:sp>
+        <p:nvSpPr>
+          <p:cNvPr id="39" name="Card 38">
+            <a:extLst>
+              <a:ext uri="{FF2B5EF4-FFF2-40B4-BE49-F238E27FC236}">
+                <a16:creationId xmlns:a16="http://schemas.microsoft.com/office/drawing/2014/main" id="{6879D311-2117-6055-AD9C-DBA821CB39F4}"/>
+              </a:ext>
+            </a:extLst>
+          </p:cNvPr>
+          <p:cNvSpPr/>
+          <p:nvPr/>
+        </p:nvSpPr>
+        <p:spPr>
+          <a:xfrm flipH="1">
+            <a:off x="2862218" y="1658053"/>
+            <a:ext cx="2319943" cy="1443821"/>
+          </a:xfrm>
+          <a:prstGeom prst="flowChartPunchedCard">
+            <a:avLst/>
+          </a:prstGeom>
+          <a:solidFill>
+            <a:schemeClr val="bg1"/>
+          </a:solidFill>
+          <a:ln w="41275">
+            <a:solidFill>
+              <a:schemeClr val="tx1"/>
+            </a:solidFill>
+          </a:ln>
+          <a:effectLst/>
+        </p:spPr>
+        <p:style>
+          <a:lnRef idx="1">
+            <a:schemeClr val="accent1"/>
+          </a:lnRef>
+          <a:fillRef idx="3">
+            <a:schemeClr val="accent1"/>
+          </a:fillRef>
+          <a:effectRef idx="2">
+            <a:schemeClr val="accent1"/>
+          </a:effectRef>
+          <a:fontRef idx="minor">
+            <a:schemeClr val="lt1"/>
+          </a:fontRef>
+        </p:style>
+        <p:txBody>
+          <a:bodyPr rtlCol="0" anchor="ctr"/>
+          <a:lstStyle/>
+          <a:p>
+            <a:pPr algn="ctr"/>
+            <a:r>
+              <a:rPr lang="en-US" sz="2000" dirty="0">
+                <a:solidFill>
+                  <a:schemeClr val="tx1"/>
+                </a:solidFill>
+              </a:rPr>
+              <a:t>Original </a:t>
+            </a:r>
+          </a:p>
+          <a:p>
+            <a:pPr algn="ctr"/>
+            <a:r>
+              <a:rPr lang="en-US" sz="2000" dirty="0">
+                <a:solidFill>
+                  <a:schemeClr val="tx1"/>
+                </a:solidFill>
+              </a:rPr>
+              <a:t> Implementation</a:t>
+            </a:r>
+          </a:p>
+          <a:p>
+            <a:pPr algn="ctr"/>
+            <a:r>
+              <a:rPr lang="en-US" sz="1600" dirty="0">
+                <a:solidFill>
+                  <a:schemeClr val="tx1"/>
+                </a:solidFill>
+              </a:rPr>
+              <a:t>Parameters: [P</a:t>
+            </a:r>
+            <a:r>
+              <a:rPr lang="en-US" sz="1600" baseline="-25000" dirty="0">
+                <a:solidFill>
+                  <a:schemeClr val="tx1"/>
+                </a:solidFill>
+              </a:rPr>
+              <a:t>1</a:t>
+            </a:r>
+            <a:r>
+              <a:rPr lang="en-US" sz="1600" dirty="0">
+                <a:solidFill>
+                  <a:schemeClr val="tx1"/>
+                </a:solidFill>
+              </a:rPr>
+              <a:t>:a,…]</a:t>
+            </a:r>
+          </a:p>
+          <a:p>
+            <a:pPr algn="ctr"/>
+            <a:endParaRPr lang="en-US" sz="2000" dirty="0">
+              <a:solidFill>
+                <a:schemeClr val="tx1"/>
+              </a:solidFill>
+            </a:endParaRPr>
+          </a:p>
+        </p:txBody>
+      </p:sp>
+      <p:sp>
+        <p:nvSpPr>
+          <p:cNvPr id="50" name="Decision 49">
+            <a:extLst>
+              <a:ext uri="{FF2B5EF4-FFF2-40B4-BE49-F238E27FC236}">
+                <a16:creationId xmlns:a16="http://schemas.microsoft.com/office/drawing/2014/main" id="{FF511416-4C89-6A90-DCF9-B30969C93C62}"/>
+              </a:ext>
+            </a:extLst>
+          </p:cNvPr>
+          <p:cNvSpPr/>
+          <p:nvPr/>
+        </p:nvSpPr>
+        <p:spPr>
+          <a:xfrm>
+            <a:off x="5373364" y="2636015"/>
+            <a:ext cx="1878298" cy="615751"/>
+          </a:xfrm>
+          <a:prstGeom prst="flowChartDecision">
+            <a:avLst/>
+          </a:prstGeom>
+          <a:ln w="38100"/>
+        </p:spPr>
+        <p:style>
+          <a:lnRef idx="2">
+            <a:schemeClr val="dk1"/>
+          </a:lnRef>
+          <a:fillRef idx="1">
+            <a:schemeClr val="lt1"/>
+          </a:fillRef>
+          <a:effectRef idx="0">
+            <a:schemeClr val="dk1"/>
+          </a:effectRef>
+          <a:fontRef idx="minor">
+            <a:schemeClr val="dk1"/>
+          </a:fontRef>
+        </p:style>
+        <p:txBody>
+          <a:bodyPr rtlCol="0" anchor="ctr"/>
+          <a:lstStyle/>
+          <a:p>
+            <a:pPr algn="ctr"/>
+            <a:endParaRPr lang="en-US" sz="1200" dirty="0"/>
+          </a:p>
+        </p:txBody>
+      </p:sp>
+      <p:sp>
+        <p:nvSpPr>
+          <p:cNvPr id="51" name="TextBox 50">
+            <a:extLst>
+              <a:ext uri="{FF2B5EF4-FFF2-40B4-BE49-F238E27FC236}">
+                <a16:creationId xmlns:a16="http://schemas.microsoft.com/office/drawing/2014/main" id="{EC5C37B7-81E0-CB8C-8C50-3CEB1E7BA46C}"/>
+              </a:ext>
+            </a:extLst>
+          </p:cNvPr>
+          <p:cNvSpPr txBox="1"/>
+          <p:nvPr/>
+        </p:nvSpPr>
+        <p:spPr>
+          <a:xfrm>
+            <a:off x="5640557" y="2775826"/>
+            <a:ext cx="1340579" cy="336128"/>
+          </a:xfrm>
+          <a:prstGeom prst="rect">
+            <a:avLst/>
+          </a:prstGeom>
+          <a:noFill/>
+        </p:spPr>
+        <p:txBody>
+          <a:bodyPr wrap="square" rtlCol="0">
+            <a:spAutoFit/>
+          </a:bodyPr>
+          <a:lstStyle/>
+          <a:p>
+            <a:pPr algn="ctr"/>
+            <a:r>
+              <a:rPr lang="en-US" sz="1600" dirty="0" err="1"/>
+              <a:t>ARI</a:t>
+            </a:r>
+            <a:r>
+              <a:rPr lang="en-US" sz="1600" baseline="-25000" dirty="0" err="1"/>
+              <a:t>a</a:t>
+            </a:r>
+            <a:endParaRPr lang="en-US" sz="1600" baseline="-25000" dirty="0"/>
+          </a:p>
+        </p:txBody>
+      </p:sp>
+      <p:cxnSp>
+        <p:nvCxnSpPr>
+          <p:cNvPr id="53" name="Elbow Connector 52">
+            <a:extLst>
+              <a:ext uri="{FF2B5EF4-FFF2-40B4-BE49-F238E27FC236}">
+                <a16:creationId xmlns:a16="http://schemas.microsoft.com/office/drawing/2014/main" id="{95E7A18C-77DA-0567-B18C-378BEF0B969D}"/>
+              </a:ext>
+            </a:extLst>
+          </p:cNvPr>
+          <p:cNvCxnSpPr>
+            <a:cxnSpLocks/>
+            <a:stCxn id="54" idx="1"/>
+            <a:endCxn id="50" idx="2"/>
+          </p:cNvCxnSpPr>
+          <p:nvPr/>
+        </p:nvCxnSpPr>
+        <p:spPr>
+          <a:xfrm flipV="1">
+            <a:off x="5191104" y="3251766"/>
+            <a:ext cx="1121409" cy="253450"/>
+          </a:xfrm>
+          <a:prstGeom prst="bentConnector2">
+            <a:avLst/>
+          </a:prstGeom>
+          <a:ln w="38100" cap="flat" cmpd="sng" algn="ctr">
+            <a:solidFill>
+              <a:schemeClr val="dk1"/>
+            </a:solidFill>
+            <a:prstDash val="solid"/>
+            <a:round/>
+            <a:headEnd type="none" w="med" len="med"/>
+            <a:tailEnd type="arrow" w="med" len="med"/>
+          </a:ln>
+        </p:spPr>
+        <p:style>
+          <a:lnRef idx="0">
+            <a:scrgbClr r="0" g="0" b="0"/>
+          </a:lnRef>
+          <a:fillRef idx="0">
+            <a:scrgbClr r="0" g="0" b="0"/>
+          </a:fillRef>
+          <a:effectRef idx="0">
+            <a:scrgbClr r="0" g="0" b="0"/>
+          </a:effectRef>
+          <a:fontRef idx="minor">
+            <a:schemeClr val="tx1"/>
+          </a:fontRef>
+        </p:style>
+      </p:cxnSp>
+      <p:cxnSp>
+        <p:nvCxnSpPr>
+          <p:cNvPr id="55" name="Elbow Connector 54">
+            <a:extLst>
+              <a:ext uri="{FF2B5EF4-FFF2-40B4-BE49-F238E27FC236}">
+                <a16:creationId xmlns:a16="http://schemas.microsoft.com/office/drawing/2014/main" id="{42624D75-3E0A-1080-2B50-5422232C24C3}"/>
+              </a:ext>
+            </a:extLst>
+          </p:cNvPr>
+          <p:cNvCxnSpPr>
+            <a:cxnSpLocks/>
+            <a:stCxn id="39" idx="1"/>
+            <a:endCxn id="50" idx="0"/>
+          </p:cNvCxnSpPr>
+          <p:nvPr/>
+        </p:nvCxnSpPr>
+        <p:spPr>
+          <a:xfrm>
+            <a:off x="5182161" y="2379964"/>
+            <a:ext cx="1130352" cy="256051"/>
+          </a:xfrm>
+          <a:prstGeom prst="bentConnector2">
+            <a:avLst/>
+          </a:prstGeom>
+          <a:ln w="38100" cap="flat" cmpd="sng" algn="ctr">
+            <a:solidFill>
+              <a:schemeClr val="dk1"/>
+            </a:solidFill>
+            <a:prstDash val="solid"/>
+            <a:round/>
+            <a:headEnd type="none" w="med" len="med"/>
+            <a:tailEnd type="arrow" w="med" len="med"/>
+          </a:ln>
+        </p:spPr>
+        <p:style>
+          <a:lnRef idx="0">
+            <a:scrgbClr r="0" g="0" b="0"/>
+          </a:lnRef>
+          <a:fillRef idx="0">
+            <a:scrgbClr r="0" g="0" b="0"/>
+          </a:fillRef>
+          <a:effectRef idx="0">
+            <a:scrgbClr r="0" g="0" b="0"/>
+          </a:effectRef>
+          <a:fontRef idx="minor">
+            <a:schemeClr val="tx1"/>
+          </a:fontRef>
+        </p:style>
+      </p:cxnSp>
+      <p:cxnSp>
+        <p:nvCxnSpPr>
+          <p:cNvPr id="62" name="Elbow Connector 61">
+            <a:extLst>
+              <a:ext uri="{FF2B5EF4-FFF2-40B4-BE49-F238E27FC236}">
+                <a16:creationId xmlns:a16="http://schemas.microsoft.com/office/drawing/2014/main" id="{61DDB72E-CD50-1266-E099-69A80C4042B8}"/>
+              </a:ext>
+            </a:extLst>
+          </p:cNvPr>
+          <p:cNvCxnSpPr>
+            <a:cxnSpLocks/>
+            <a:stCxn id="42" idx="3"/>
+            <a:endCxn id="114" idx="2"/>
+          </p:cNvCxnSpPr>
+          <p:nvPr/>
+        </p:nvCxnSpPr>
+        <p:spPr>
+          <a:xfrm flipV="1">
+            <a:off x="7220036" y="4638900"/>
+            <a:ext cx="478106" cy="582697"/>
+          </a:xfrm>
+          <a:prstGeom prst="bentConnector2">
+            <a:avLst/>
+          </a:prstGeom>
+          <a:ln w="38100" cap="flat" cmpd="sng" algn="ctr">
+            <a:solidFill>
+              <a:schemeClr val="dk1"/>
+            </a:solidFill>
+            <a:prstDash val="solid"/>
+            <a:round/>
+            <a:headEnd type="none" w="med" len="med"/>
+            <a:tailEnd type="arrow" w="med" len="med"/>
+          </a:ln>
+        </p:spPr>
+        <p:style>
+          <a:lnRef idx="0">
+            <a:scrgbClr r="0" g="0" b="0"/>
+          </a:lnRef>
+          <a:fillRef idx="0">
+            <a:scrgbClr r="0" g="0" b="0"/>
+          </a:fillRef>
+          <a:effectRef idx="0">
+            <a:scrgbClr r="0" g="0" b="0"/>
+          </a:effectRef>
+          <a:fontRef idx="minor">
+            <a:schemeClr val="tx1"/>
+          </a:fontRef>
+        </p:style>
+      </p:cxnSp>
+    </p:spTree>
+    <p:extLst>
+      <p:ext uri="{BB962C8B-B14F-4D97-AF65-F5344CB8AC3E}">
+        <p14:creationId xmlns:p14="http://schemas.microsoft.com/office/powerpoint/2010/main" val="4152262215"/>
+      </p:ext>
+    </p:extLst>
+  </p:cSld>
+  <p:clrMapOvr>
+    <a:masterClrMapping/>
+  </p:clrMapOvr>
+</p:sld>
+</file>
+
+<file path=ppt/slides/slide2.xml><?xml version="1.0" encoding="utf-8"?>
+<p:sld xmlns:a="http://schemas.openxmlformats.org/drawingml/2006/main" xmlns:r="http://schemas.openxmlformats.org/officeDocument/2006/relationships" xmlns:p="http://schemas.openxmlformats.org/presentationml/2006/main">
+  <p:cSld>
+    <p:spTree>
+      <p:nvGrpSpPr>
+        <p:cNvPr id="1" name=""/>
+        <p:cNvGrpSpPr/>
+        <p:nvPr/>
+      </p:nvGrpSpPr>
+      <p:grpSpPr>
+        <a:xfrm>
+          <a:off x="0" y="0"/>
+          <a:ext cx="0" cy="0"/>
+          <a:chOff x="0" y="0"/>
+          <a:chExt cx="0" cy="0"/>
+        </a:xfrm>
+      </p:grpSpPr>
+      <p:sp>
+        <p:nvSpPr>
+          <p:cNvPr id="29" name="Can 28">
+            <a:extLst>
+              <a:ext uri="{FF2B5EF4-FFF2-40B4-BE49-F238E27FC236}">
+                <a16:creationId xmlns:a16="http://schemas.microsoft.com/office/drawing/2014/main" id="{B8281C8D-4FD2-216F-775F-8122310A1894}"/>
+              </a:ext>
+            </a:extLst>
+          </p:cNvPr>
+          <p:cNvSpPr/>
+          <p:nvPr/>
+        </p:nvSpPr>
+        <p:spPr>
+          <a:xfrm>
+            <a:off x="1961268" y="2714959"/>
+            <a:ext cx="352803" cy="256860"/>
+          </a:xfrm>
+          <a:prstGeom prst="can">
+            <a:avLst/>
+          </a:prstGeom>
+          <a:solidFill>
+            <a:schemeClr val="bg1"/>
+          </a:solidFill>
+          <a:ln w="28575" cmpd="sng">
+            <a:solidFill>
+              <a:schemeClr val="tx1"/>
+            </a:solidFill>
+          </a:ln>
+          <a:effectLst/>
+        </p:spPr>
+        <p:style>
+          <a:lnRef idx="1">
+            <a:schemeClr val="accent1"/>
+          </a:lnRef>
+          <a:fillRef idx="3">
+            <a:schemeClr val="accent1"/>
+          </a:fillRef>
+          <a:effectRef idx="2">
+            <a:schemeClr val="accent1"/>
+          </a:effectRef>
+          <a:fontRef idx="minor">
+            <a:schemeClr val="lt1"/>
+          </a:fontRef>
+        </p:style>
+        <p:txBody>
+          <a:bodyPr rtlCol="0" anchor="ctr"/>
+          <a:lstStyle/>
+          <a:p>
+            <a:pPr algn="ctr"/>
+            <a:endParaRPr lang="en-US" sz="2000" dirty="0">
+              <a:solidFill>
+                <a:schemeClr val="tx1"/>
+              </a:solidFill>
+            </a:endParaRPr>
+          </a:p>
+        </p:txBody>
+      </p:sp>
+      <p:sp>
+        <p:nvSpPr>
+          <p:cNvPr id="30" name="TextBox 29">
+            <a:extLst>
+              <a:ext uri="{FF2B5EF4-FFF2-40B4-BE49-F238E27FC236}">
+                <a16:creationId xmlns:a16="http://schemas.microsoft.com/office/drawing/2014/main" id="{6E3FB8F6-7267-AB43-9206-9DC808EE09F8}"/>
+              </a:ext>
+            </a:extLst>
+          </p:cNvPr>
+          <p:cNvSpPr txBox="1"/>
+          <p:nvPr/>
+        </p:nvSpPr>
+        <p:spPr>
+          <a:xfrm>
+            <a:off x="1533997" y="2651091"/>
+            <a:ext cx="510139" cy="369332"/>
+          </a:xfrm>
+          <a:prstGeom prst="rect">
+            <a:avLst/>
+          </a:prstGeom>
+          <a:noFill/>
+        </p:spPr>
+        <p:txBody>
+          <a:bodyPr wrap="square" rtlCol="0">
+            <a:spAutoFit/>
+          </a:bodyPr>
+          <a:lstStyle/>
+          <a:p>
+            <a:pPr algn="ctr"/>
+            <a:r>
+              <a:rPr lang="en-US" dirty="0"/>
+              <a:t>S</a:t>
+            </a:r>
+            <a:r>
+              <a:rPr lang="en-US" baseline="-25000" dirty="0"/>
+              <a:t>1</a:t>
+            </a:r>
+            <a:endParaRPr lang="en-US" dirty="0"/>
+          </a:p>
+        </p:txBody>
+      </p:sp>
+      <p:sp>
+        <p:nvSpPr>
+          <p:cNvPr id="31" name="Can 30">
+            <a:extLst>
+              <a:ext uri="{FF2B5EF4-FFF2-40B4-BE49-F238E27FC236}">
+                <a16:creationId xmlns:a16="http://schemas.microsoft.com/office/drawing/2014/main" id="{71ECD637-C4CD-81F5-36DF-B34220C7E6D2}"/>
+              </a:ext>
+            </a:extLst>
+          </p:cNvPr>
+          <p:cNvSpPr/>
+          <p:nvPr/>
+        </p:nvSpPr>
+        <p:spPr>
+          <a:xfrm>
+            <a:off x="1961268" y="5059234"/>
+            <a:ext cx="352803" cy="256860"/>
+          </a:xfrm>
+          <a:prstGeom prst="can">
+            <a:avLst/>
+          </a:prstGeom>
+          <a:solidFill>
+            <a:schemeClr val="bg1"/>
+          </a:solidFill>
+          <a:ln w="28575" cmpd="sng">
+            <a:solidFill>
+              <a:schemeClr val="tx1"/>
+            </a:solidFill>
+          </a:ln>
+          <a:effectLst/>
+        </p:spPr>
+        <p:style>
+          <a:lnRef idx="1">
+            <a:schemeClr val="accent1"/>
+          </a:lnRef>
+          <a:fillRef idx="3">
+            <a:schemeClr val="accent1"/>
+          </a:fillRef>
+          <a:effectRef idx="2">
+            <a:schemeClr val="accent1"/>
+          </a:effectRef>
+          <a:fontRef idx="minor">
+            <a:schemeClr val="lt1"/>
+          </a:fontRef>
+        </p:style>
+        <p:txBody>
+          <a:bodyPr rtlCol="0" anchor="ctr"/>
+          <a:lstStyle/>
+          <a:p>
+            <a:pPr algn="ctr"/>
+            <a:endParaRPr lang="en-US" sz="2000" dirty="0">
+              <a:solidFill>
+                <a:schemeClr val="tx1"/>
+              </a:solidFill>
+            </a:endParaRPr>
+          </a:p>
+        </p:txBody>
+      </p:sp>
+      <p:sp>
+        <p:nvSpPr>
+          <p:cNvPr id="32" name="TextBox 31">
+            <a:extLst>
+              <a:ext uri="{FF2B5EF4-FFF2-40B4-BE49-F238E27FC236}">
+                <a16:creationId xmlns:a16="http://schemas.microsoft.com/office/drawing/2014/main" id="{065A53E4-9B1F-4547-4A0C-C35929A8098E}"/>
+              </a:ext>
+            </a:extLst>
+          </p:cNvPr>
+          <p:cNvSpPr txBox="1"/>
+          <p:nvPr/>
+        </p:nvSpPr>
+        <p:spPr>
+          <a:xfrm>
+            <a:off x="1533997" y="5002998"/>
+            <a:ext cx="510139" cy="369332"/>
+          </a:xfrm>
+          <a:prstGeom prst="rect">
+            <a:avLst/>
+          </a:prstGeom>
+          <a:noFill/>
+        </p:spPr>
+        <p:txBody>
+          <a:bodyPr wrap="square" rtlCol="0">
+            <a:spAutoFit/>
+          </a:bodyPr>
+          <a:lstStyle/>
+          <a:p>
+            <a:pPr algn="ctr"/>
+            <a:r>
+              <a:rPr lang="en-US" dirty="0"/>
+              <a:t>S</a:t>
+            </a:r>
+            <a:r>
+              <a:rPr lang="en-US" baseline="-25000" dirty="0"/>
+              <a:t>2</a:t>
+            </a:r>
+            <a:endParaRPr lang="en-US" dirty="0"/>
+          </a:p>
+        </p:txBody>
+      </p:sp>
+      <p:sp>
+        <p:nvSpPr>
+          <p:cNvPr id="35" name="Oval 34">
+            <a:extLst>
+              <a:ext uri="{FF2B5EF4-FFF2-40B4-BE49-F238E27FC236}">
+                <a16:creationId xmlns:a16="http://schemas.microsoft.com/office/drawing/2014/main" id="{A87A455A-D623-1965-F7F4-6AD1C8C90514}"/>
+              </a:ext>
+            </a:extLst>
+          </p:cNvPr>
+          <p:cNvSpPr/>
+          <p:nvPr/>
+        </p:nvSpPr>
+        <p:spPr>
+          <a:xfrm>
+            <a:off x="2094193" y="5609112"/>
+            <a:ext cx="86952" cy="86952"/>
+          </a:xfrm>
+          <a:prstGeom prst="ellipse">
+            <a:avLst/>
+          </a:prstGeom>
+          <a:solidFill>
+            <a:schemeClr val="tx1"/>
+          </a:solidFill>
+          <a:ln>
+            <a:noFill/>
+          </a:ln>
+        </p:spPr>
+        <p:style>
+          <a:lnRef idx="2">
+            <a:schemeClr val="dk1">
+              <a:shade val="15000"/>
+            </a:schemeClr>
+          </a:lnRef>
+          <a:fillRef idx="1">
+            <a:schemeClr val="dk1"/>
+          </a:fillRef>
+          <a:effectRef idx="0">
+            <a:schemeClr val="dk1"/>
+          </a:effectRef>
+          <a:fontRef idx="minor">
+            <a:schemeClr val="lt1"/>
+          </a:fontRef>
+        </p:style>
+        <p:txBody>
+          <a:bodyPr rtlCol="0" anchor="ctr"/>
+          <a:lstStyle/>
+          <a:p>
+            <a:pPr algn="ctr"/>
+            <a:endParaRPr lang="en-US"/>
+          </a:p>
+        </p:txBody>
+      </p:sp>
+      <p:sp>
+        <p:nvSpPr>
+          <p:cNvPr id="36" name="Oval 35">
+            <a:extLst>
+              <a:ext uri="{FF2B5EF4-FFF2-40B4-BE49-F238E27FC236}">
+                <a16:creationId xmlns:a16="http://schemas.microsoft.com/office/drawing/2014/main" id="{7CA8EB56-8FF3-ECDD-999A-C60F34AE2695}"/>
+              </a:ext>
+            </a:extLst>
+          </p:cNvPr>
+          <p:cNvSpPr/>
+          <p:nvPr/>
+        </p:nvSpPr>
+        <p:spPr>
+          <a:xfrm>
+            <a:off x="2094193" y="5757876"/>
+            <a:ext cx="86952" cy="86952"/>
+          </a:xfrm>
+          <a:prstGeom prst="ellipse">
+            <a:avLst/>
+          </a:prstGeom>
+          <a:solidFill>
+            <a:schemeClr val="tx1"/>
+          </a:solidFill>
+          <a:ln>
+            <a:noFill/>
+          </a:ln>
+        </p:spPr>
+        <p:style>
+          <a:lnRef idx="2">
+            <a:schemeClr val="dk1">
+              <a:shade val="15000"/>
+            </a:schemeClr>
+          </a:lnRef>
+          <a:fillRef idx="1">
+            <a:schemeClr val="dk1"/>
+          </a:fillRef>
+          <a:effectRef idx="0">
+            <a:schemeClr val="dk1"/>
+          </a:effectRef>
+          <a:fontRef idx="minor">
+            <a:schemeClr val="lt1"/>
+          </a:fontRef>
+        </p:style>
+        <p:txBody>
+          <a:bodyPr rtlCol="0" anchor="ctr"/>
+          <a:lstStyle/>
+          <a:p>
+            <a:pPr algn="ctr"/>
+            <a:endParaRPr lang="en-US"/>
+          </a:p>
+        </p:txBody>
+      </p:sp>
+      <p:sp>
+        <p:nvSpPr>
+          <p:cNvPr id="54" name="Card 53">
+            <a:extLst>
+              <a:ext uri="{FF2B5EF4-FFF2-40B4-BE49-F238E27FC236}">
+                <a16:creationId xmlns:a16="http://schemas.microsoft.com/office/drawing/2014/main" id="{61AE9B96-D4C6-5050-5700-B563A49E132F}"/>
+              </a:ext>
+            </a:extLst>
+          </p:cNvPr>
+          <p:cNvSpPr/>
+          <p:nvPr/>
+        </p:nvSpPr>
+        <p:spPr>
+          <a:xfrm flipH="1">
+            <a:off x="2871160" y="3247133"/>
+            <a:ext cx="2319944" cy="516165"/>
+          </a:xfrm>
+          <a:prstGeom prst="flowChartPunchedCard">
+            <a:avLst/>
+          </a:prstGeom>
+          <a:solidFill>
+            <a:schemeClr val="bg1"/>
+          </a:solidFill>
+          <a:ln w="41275">
+            <a:solidFill>
+              <a:schemeClr val="tx1"/>
+            </a:solidFill>
+          </a:ln>
+          <a:effectLst/>
+        </p:spPr>
+        <p:style>
+          <a:lnRef idx="1">
+            <a:schemeClr val="accent1"/>
+          </a:lnRef>
+          <a:fillRef idx="3">
+            <a:schemeClr val="accent1"/>
+          </a:fillRef>
+          <a:effectRef idx="2">
+            <a:schemeClr val="accent1"/>
+          </a:effectRef>
+          <a:fontRef idx="minor">
+            <a:schemeClr val="lt1"/>
+          </a:fontRef>
+        </p:style>
+        <p:txBody>
+          <a:bodyPr rtlCol="0" anchor="ctr"/>
+          <a:lstStyle/>
+          <a:p>
+            <a:pPr algn="ctr"/>
+            <a:r>
+              <a:rPr lang="en-US" sz="2000" dirty="0" err="1">
+                <a:solidFill>
+                  <a:schemeClr val="tx1"/>
+                </a:solidFill>
+              </a:rPr>
+              <a:t>KMeans</a:t>
+            </a:r>
+            <a:endParaRPr lang="en-US" sz="2000" dirty="0">
+              <a:solidFill>
+                <a:schemeClr val="tx1"/>
+              </a:solidFill>
+            </a:endParaRPr>
+          </a:p>
+        </p:txBody>
+      </p:sp>
+      <p:sp>
+        <p:nvSpPr>
+          <p:cNvPr id="66" name="Card 65">
+            <a:extLst>
+              <a:ext uri="{FF2B5EF4-FFF2-40B4-BE49-F238E27FC236}">
+                <a16:creationId xmlns:a16="http://schemas.microsoft.com/office/drawing/2014/main" id="{2A7BB8AC-42A2-C1B4-880C-A535674FECA1}"/>
+              </a:ext>
+            </a:extLst>
+          </p:cNvPr>
+          <p:cNvSpPr/>
+          <p:nvPr/>
+        </p:nvSpPr>
+        <p:spPr>
+          <a:xfrm flipH="1">
+            <a:off x="2853941" y="3937457"/>
+            <a:ext cx="2319943" cy="1443821"/>
+          </a:xfrm>
+          <a:prstGeom prst="flowChartPunchedCard">
+            <a:avLst/>
+          </a:prstGeom>
+          <a:solidFill>
+            <a:schemeClr val="bg1"/>
+          </a:solidFill>
+          <a:ln w="41275">
+            <a:solidFill>
+              <a:schemeClr val="tx1"/>
+            </a:solidFill>
+          </a:ln>
+          <a:effectLst/>
+        </p:spPr>
+        <p:style>
+          <a:lnRef idx="1">
+            <a:schemeClr val="accent1"/>
+          </a:lnRef>
+          <a:fillRef idx="3">
+            <a:schemeClr val="accent1"/>
+          </a:fillRef>
+          <a:effectRef idx="2">
+            <a:schemeClr val="accent1"/>
+          </a:effectRef>
+          <a:fontRef idx="minor">
+            <a:schemeClr val="lt1"/>
+          </a:fontRef>
+        </p:style>
+        <p:txBody>
+          <a:bodyPr rtlCol="0" anchor="ctr"/>
+          <a:lstStyle/>
+          <a:p>
+            <a:pPr algn="ctr"/>
+            <a:r>
+              <a:rPr lang="en-US" sz="2000" dirty="0">
+                <a:solidFill>
+                  <a:schemeClr val="tx1"/>
+                </a:solidFill>
+              </a:rPr>
+              <a:t>Original </a:t>
+            </a:r>
+          </a:p>
+          <a:p>
+            <a:pPr algn="ctr"/>
+            <a:r>
+              <a:rPr lang="en-US" sz="2000" dirty="0">
+                <a:solidFill>
+                  <a:schemeClr val="tx1"/>
+                </a:solidFill>
+              </a:rPr>
+              <a:t> Implementation</a:t>
+            </a:r>
+          </a:p>
+          <a:p>
+            <a:pPr algn="ctr"/>
+            <a:r>
+              <a:rPr lang="en-US" sz="1600" dirty="0">
+                <a:solidFill>
+                  <a:schemeClr val="tx1"/>
+                </a:solidFill>
+              </a:rPr>
+              <a:t>Parameters: […, </a:t>
+            </a:r>
+            <a:r>
+              <a:rPr lang="en-US" sz="1600" b="1" dirty="0" err="1">
+                <a:solidFill>
+                  <a:schemeClr val="tx1"/>
+                </a:solidFill>
+              </a:rPr>
+              <a:t>algorithm:kd_tree</a:t>
+            </a:r>
+            <a:r>
+              <a:rPr lang="en-US" sz="1600" dirty="0">
+                <a:solidFill>
+                  <a:schemeClr val="tx1"/>
+                </a:solidFill>
+              </a:rPr>
+              <a:t>, …]</a:t>
+            </a:r>
+          </a:p>
+          <a:p>
+            <a:pPr algn="ctr"/>
+            <a:endParaRPr lang="en-US" sz="2000" dirty="0">
+              <a:solidFill>
+                <a:schemeClr val="tx1"/>
+              </a:solidFill>
+            </a:endParaRPr>
+          </a:p>
+        </p:txBody>
+      </p:sp>
+      <p:sp>
+        <p:nvSpPr>
+          <p:cNvPr id="69" name="Card 68">
+            <a:extLst>
+              <a:ext uri="{FF2B5EF4-FFF2-40B4-BE49-F238E27FC236}">
+                <a16:creationId xmlns:a16="http://schemas.microsoft.com/office/drawing/2014/main" id="{DE6E25A4-7CC6-609E-009A-0199A5EE53B8}"/>
+              </a:ext>
+            </a:extLst>
+          </p:cNvPr>
+          <p:cNvSpPr/>
+          <p:nvPr/>
+        </p:nvSpPr>
+        <p:spPr>
+          <a:xfrm flipH="1">
+            <a:off x="2853941" y="5524839"/>
+            <a:ext cx="2337164" cy="516165"/>
+          </a:xfrm>
+          <a:prstGeom prst="flowChartPunchedCard">
+            <a:avLst/>
+          </a:prstGeom>
+          <a:solidFill>
+            <a:schemeClr val="bg1"/>
+          </a:solidFill>
+          <a:ln w="41275">
+            <a:solidFill>
+              <a:schemeClr val="tx1"/>
+            </a:solidFill>
+          </a:ln>
+          <a:effectLst/>
+        </p:spPr>
+        <p:style>
+          <a:lnRef idx="1">
+            <a:schemeClr val="accent1"/>
+          </a:lnRef>
+          <a:fillRef idx="3">
+            <a:schemeClr val="accent1"/>
+          </a:fillRef>
+          <a:effectRef idx="2">
+            <a:schemeClr val="accent1"/>
+          </a:effectRef>
+          <a:fontRef idx="minor">
+            <a:schemeClr val="lt1"/>
+          </a:fontRef>
+        </p:style>
+        <p:txBody>
+          <a:bodyPr rtlCol="0" anchor="ctr"/>
+          <a:lstStyle/>
+          <a:p>
+            <a:pPr algn="ctr"/>
+            <a:r>
+              <a:rPr lang="en-US" sz="2000" dirty="0" err="1">
+                <a:solidFill>
+                  <a:schemeClr val="tx1"/>
+                </a:solidFill>
+              </a:rPr>
+              <a:t>KMeans</a:t>
+            </a:r>
+            <a:endParaRPr lang="en-US" sz="2000" dirty="0">
+              <a:solidFill>
+                <a:schemeClr val="tx1"/>
+              </a:solidFill>
+            </a:endParaRPr>
+          </a:p>
+        </p:txBody>
+      </p:sp>
+      <p:sp>
+        <p:nvSpPr>
+          <p:cNvPr id="114" name="Rectangle 113">
+            <a:extLst>
+              <a:ext uri="{FF2B5EF4-FFF2-40B4-BE49-F238E27FC236}">
+                <a16:creationId xmlns:a16="http://schemas.microsoft.com/office/drawing/2014/main" id="{A78A02CD-9247-091A-D7DF-959E74D540A7}"/>
+              </a:ext>
+            </a:extLst>
+          </p:cNvPr>
+          <p:cNvSpPr/>
+          <p:nvPr/>
+        </p:nvSpPr>
+        <p:spPr>
+          <a:xfrm>
+            <a:off x="6946799" y="3573461"/>
+            <a:ext cx="2059317" cy="1065439"/>
+          </a:xfrm>
+          <a:prstGeom prst="rect">
+            <a:avLst/>
+          </a:prstGeom>
+          <a:noFill/>
+        </p:spPr>
+        <p:style>
+          <a:lnRef idx="2">
+            <a:schemeClr val="dk1"/>
+          </a:lnRef>
+          <a:fillRef idx="1">
+            <a:schemeClr val="lt1"/>
+          </a:fillRef>
+          <a:effectRef idx="0">
+            <a:schemeClr val="dk1"/>
+          </a:effectRef>
+          <a:fontRef idx="minor">
+            <a:schemeClr val="dk1"/>
+          </a:fontRef>
+        </p:style>
+        <p:txBody>
+          <a:bodyPr rtlCol="0" anchor="ctr"/>
+          <a:lstStyle/>
+          <a:p>
+            <a:pPr algn="ctr"/>
+            <a:r>
+              <a:rPr lang="en-US" sz="1600" dirty="0"/>
+              <a:t>HAPV: […, </a:t>
+            </a:r>
+            <a:r>
+              <a:rPr lang="en-US" sz="1600" b="1" dirty="0"/>
+              <a:t>algorithm</a:t>
+            </a:r>
+            <a:r>
+              <a:rPr lang="en-US" sz="1600" dirty="0"/>
+              <a:t>:</a:t>
+            </a:r>
+            <a:r>
+              <a:rPr lang="en-US" sz="1600" b="1" dirty="0"/>
+              <a:t> </a:t>
+            </a:r>
+            <a:r>
+              <a:rPr lang="en-US" sz="1600" b="1" dirty="0" err="1"/>
+              <a:t>kd_tree</a:t>
+            </a:r>
+            <a:r>
+              <a:rPr lang="en-US" sz="1600" dirty="0"/>
+              <a:t> (best ARI score),…]</a:t>
+            </a:r>
+            <a:endParaRPr lang="en-US" dirty="0"/>
+          </a:p>
+        </p:txBody>
+      </p:sp>
+      <p:cxnSp>
+        <p:nvCxnSpPr>
+          <p:cNvPr id="14" name="Elbow Connector 13">
+            <a:extLst>
+              <a:ext uri="{FF2B5EF4-FFF2-40B4-BE49-F238E27FC236}">
+                <a16:creationId xmlns:a16="http://schemas.microsoft.com/office/drawing/2014/main" id="{1686AE24-10B9-B606-C7FF-ECF221EE265C}"/>
+              </a:ext>
+            </a:extLst>
+          </p:cNvPr>
+          <p:cNvCxnSpPr>
+            <a:cxnSpLocks/>
+            <a:stCxn id="31" idx="4"/>
+          </p:cNvCxnSpPr>
+          <p:nvPr/>
+        </p:nvCxnSpPr>
+        <p:spPr>
+          <a:xfrm flipV="1">
+            <a:off x="2314071" y="4657536"/>
+            <a:ext cx="530523" cy="530128"/>
+          </a:xfrm>
+          <a:prstGeom prst="bentConnector3">
+            <a:avLst/>
+          </a:prstGeom>
+          <a:ln w="38100" cap="flat" cmpd="sng" algn="ctr">
+            <a:solidFill>
+              <a:schemeClr val="dk1"/>
+            </a:solidFill>
+            <a:prstDash val="solid"/>
+            <a:round/>
+            <a:headEnd type="none" w="med" len="med"/>
+            <a:tailEnd type="arrow" w="med" len="med"/>
+          </a:ln>
+        </p:spPr>
+        <p:style>
+          <a:lnRef idx="0">
+            <a:scrgbClr r="0" g="0" b="0"/>
+          </a:lnRef>
+          <a:fillRef idx="0">
+            <a:scrgbClr r="0" g="0" b="0"/>
+          </a:fillRef>
+          <a:effectRef idx="0">
+            <a:scrgbClr r="0" g="0" b="0"/>
+          </a:effectRef>
+          <a:fontRef idx="minor">
+            <a:schemeClr val="tx1"/>
+          </a:fontRef>
+        </p:style>
+      </p:cxnSp>
+      <p:cxnSp>
+        <p:nvCxnSpPr>
+          <p:cNvPr id="16" name="Elbow Connector 15">
+            <a:extLst>
+              <a:ext uri="{FF2B5EF4-FFF2-40B4-BE49-F238E27FC236}">
+                <a16:creationId xmlns:a16="http://schemas.microsoft.com/office/drawing/2014/main" id="{6C56A654-2050-4C1F-DFD7-3ED7CD5B077C}"/>
+              </a:ext>
+            </a:extLst>
+          </p:cNvPr>
+          <p:cNvCxnSpPr>
+            <a:cxnSpLocks/>
+            <a:stCxn id="31" idx="4"/>
+            <a:endCxn id="69" idx="3"/>
+          </p:cNvCxnSpPr>
+          <p:nvPr/>
+        </p:nvCxnSpPr>
+        <p:spPr>
+          <a:xfrm>
+            <a:off x="2314071" y="5187664"/>
+            <a:ext cx="539870" cy="595258"/>
+          </a:xfrm>
+          <a:prstGeom prst="bentConnector3">
+            <a:avLst>
+              <a:gd name="adj1" fmla="val 50000"/>
+            </a:avLst>
+          </a:prstGeom>
+          <a:ln w="38100" cap="flat" cmpd="sng" algn="ctr">
+            <a:solidFill>
+              <a:schemeClr val="dk1"/>
+            </a:solidFill>
+            <a:prstDash val="solid"/>
+            <a:round/>
+            <a:headEnd type="none" w="med" len="med"/>
+            <a:tailEnd type="arrow" w="med" len="med"/>
+          </a:ln>
+        </p:spPr>
+        <p:style>
+          <a:lnRef idx="0">
+            <a:scrgbClr r="0" g="0" b="0"/>
+          </a:lnRef>
+          <a:fillRef idx="0">
+            <a:scrgbClr r="0" g="0" b="0"/>
+          </a:fillRef>
+          <a:effectRef idx="0">
+            <a:scrgbClr r="0" g="0" b="0"/>
+          </a:effectRef>
+          <a:fontRef idx="minor">
+            <a:schemeClr val="tx1"/>
+          </a:fontRef>
+        </p:style>
+      </p:cxnSp>
+      <p:cxnSp>
+        <p:nvCxnSpPr>
+          <p:cNvPr id="22" name="Elbow Connector 21">
+            <a:extLst>
+              <a:ext uri="{FF2B5EF4-FFF2-40B4-BE49-F238E27FC236}">
+                <a16:creationId xmlns:a16="http://schemas.microsoft.com/office/drawing/2014/main" id="{AB9248D7-42DF-3B90-7C91-F4FA04E94871}"/>
+              </a:ext>
+            </a:extLst>
+          </p:cNvPr>
+          <p:cNvCxnSpPr>
+            <a:cxnSpLocks/>
+            <a:stCxn id="29" idx="4"/>
+          </p:cNvCxnSpPr>
+          <p:nvPr/>
+        </p:nvCxnSpPr>
+        <p:spPr>
+          <a:xfrm flipV="1">
+            <a:off x="2314071" y="2379830"/>
+            <a:ext cx="530523" cy="463559"/>
+          </a:xfrm>
+          <a:prstGeom prst="bentConnector3">
+            <a:avLst/>
+          </a:prstGeom>
+          <a:ln w="38100" cap="flat" cmpd="sng" algn="ctr">
+            <a:solidFill>
+              <a:schemeClr val="dk1"/>
+            </a:solidFill>
+            <a:prstDash val="solid"/>
+            <a:round/>
+            <a:headEnd type="none" w="med" len="med"/>
+            <a:tailEnd type="arrow" w="med" len="med"/>
+          </a:ln>
+        </p:spPr>
+        <p:style>
+          <a:lnRef idx="0">
+            <a:scrgbClr r="0" g="0" b="0"/>
+          </a:lnRef>
+          <a:fillRef idx="0">
+            <a:scrgbClr r="0" g="0" b="0"/>
+          </a:fillRef>
+          <a:effectRef idx="0">
+            <a:scrgbClr r="0" g="0" b="0"/>
+          </a:effectRef>
+          <a:fontRef idx="minor">
+            <a:schemeClr val="tx1"/>
+          </a:fontRef>
+        </p:style>
+      </p:cxnSp>
+      <p:cxnSp>
+        <p:nvCxnSpPr>
+          <p:cNvPr id="25" name="Elbow Connector 24">
+            <a:extLst>
+              <a:ext uri="{FF2B5EF4-FFF2-40B4-BE49-F238E27FC236}">
+                <a16:creationId xmlns:a16="http://schemas.microsoft.com/office/drawing/2014/main" id="{42D59679-B1AF-92E8-5598-A626B5B74191}"/>
+              </a:ext>
+            </a:extLst>
+          </p:cNvPr>
+          <p:cNvCxnSpPr>
+            <a:cxnSpLocks/>
+            <a:stCxn id="29" idx="4"/>
+            <a:endCxn id="54" idx="3"/>
+          </p:cNvCxnSpPr>
+          <p:nvPr/>
+        </p:nvCxnSpPr>
+        <p:spPr>
+          <a:xfrm>
+            <a:off x="2314071" y="2843389"/>
+            <a:ext cx="557089" cy="661827"/>
+          </a:xfrm>
+          <a:prstGeom prst="bentConnector3">
+            <a:avLst>
+              <a:gd name="adj1" fmla="val 47923"/>
+            </a:avLst>
+          </a:prstGeom>
+          <a:ln w="38100" cap="flat" cmpd="sng" algn="ctr">
+            <a:solidFill>
+              <a:schemeClr val="dk1"/>
+            </a:solidFill>
+            <a:prstDash val="solid"/>
+            <a:round/>
+            <a:headEnd type="none" w="med" len="med"/>
+            <a:tailEnd type="arrow" w="med" len="med"/>
+          </a:ln>
+        </p:spPr>
+        <p:style>
+          <a:lnRef idx="0">
+            <a:scrgbClr r="0" g="0" b="0"/>
+          </a:lnRef>
+          <a:fillRef idx="0">
+            <a:scrgbClr r="0" g="0" b="0"/>
+          </a:fillRef>
+          <a:effectRef idx="0">
+            <a:scrgbClr r="0" g="0" b="0"/>
+          </a:effectRef>
+          <a:fontRef idx="minor">
+            <a:schemeClr val="tx1"/>
+          </a:fontRef>
+        </p:style>
+      </p:cxnSp>
+      <p:sp>
+        <p:nvSpPr>
+          <p:cNvPr id="42" name="Decision 41">
+            <a:extLst>
+              <a:ext uri="{FF2B5EF4-FFF2-40B4-BE49-F238E27FC236}">
+                <a16:creationId xmlns:a16="http://schemas.microsoft.com/office/drawing/2014/main" id="{4D660C00-5694-716C-2EC0-B1C407D54ACB}"/>
+              </a:ext>
+            </a:extLst>
+          </p:cNvPr>
+          <p:cNvSpPr/>
+          <p:nvPr/>
+        </p:nvSpPr>
+        <p:spPr>
+          <a:xfrm>
+            <a:off x="5341738" y="4913721"/>
+            <a:ext cx="1878298" cy="615751"/>
+          </a:xfrm>
+          <a:prstGeom prst="flowChartDecision">
+            <a:avLst/>
+          </a:prstGeom>
+          <a:ln w="38100"/>
+        </p:spPr>
+        <p:style>
+          <a:lnRef idx="2">
+            <a:schemeClr val="dk1"/>
+          </a:lnRef>
+          <a:fillRef idx="1">
+            <a:schemeClr val="lt1"/>
+          </a:fillRef>
+          <a:effectRef idx="0">
+            <a:schemeClr val="dk1"/>
+          </a:effectRef>
+          <a:fontRef idx="minor">
+            <a:schemeClr val="dk1"/>
+          </a:fontRef>
+        </p:style>
+        <p:txBody>
+          <a:bodyPr rtlCol="0" anchor="ctr"/>
+          <a:lstStyle/>
+          <a:p>
+            <a:pPr algn="ctr"/>
+            <a:endParaRPr lang="en-US" sz="1200" dirty="0"/>
+          </a:p>
+        </p:txBody>
+      </p:sp>
+      <p:sp>
+        <p:nvSpPr>
+          <p:cNvPr id="43" name="TextBox 42">
+            <a:extLst>
+              <a:ext uri="{FF2B5EF4-FFF2-40B4-BE49-F238E27FC236}">
+                <a16:creationId xmlns:a16="http://schemas.microsoft.com/office/drawing/2014/main" id="{F8B8E053-E94C-6C19-BC5E-9E30248770DD}"/>
+              </a:ext>
+            </a:extLst>
+          </p:cNvPr>
+          <p:cNvSpPr txBox="1"/>
+          <p:nvPr/>
+        </p:nvSpPr>
+        <p:spPr>
+          <a:xfrm>
+            <a:off x="5608931" y="5053532"/>
+            <a:ext cx="1340579" cy="336128"/>
+          </a:xfrm>
+          <a:prstGeom prst="rect">
+            <a:avLst/>
+          </a:prstGeom>
+          <a:noFill/>
+        </p:spPr>
+        <p:txBody>
+          <a:bodyPr wrap="square" rtlCol="0">
+            <a:spAutoFit/>
+          </a:bodyPr>
+          <a:lstStyle/>
+          <a:p>
+            <a:pPr algn="ctr"/>
+            <a:r>
+              <a:rPr lang="en-US" sz="1600" dirty="0"/>
+              <a:t>ARI(</a:t>
+            </a:r>
+            <a:r>
+              <a:rPr lang="en-US" sz="1600" dirty="0">
+                <a:latin typeface="Apple Chancery" panose="03020702040506060504" pitchFamily="66" charset="-79"/>
+                <a:cs typeface="Apple Chancery" panose="03020702040506060504" pitchFamily="66" charset="-79"/>
+              </a:rPr>
+              <a:t>l</a:t>
+            </a:r>
+            <a:r>
+              <a:rPr lang="en-US" sz="1600" baseline="-25000" dirty="0"/>
+              <a:t>2_o</a:t>
+            </a:r>
+            <a:r>
+              <a:rPr lang="en-US" sz="1600" dirty="0">
+                <a:latin typeface="Apple Chancery" panose="03020702040506060504" pitchFamily="66" charset="-79"/>
+                <a:cs typeface="Apple Chancery" panose="03020702040506060504" pitchFamily="66" charset="-79"/>
+              </a:rPr>
+              <a:t>,l</a:t>
+            </a:r>
+            <a:r>
+              <a:rPr lang="en-US" sz="1600" baseline="-25000" dirty="0">
+                <a:latin typeface="Apple Chancery" panose="03020702040506060504" pitchFamily="66" charset="-79"/>
+                <a:cs typeface="Apple Chancery" panose="03020702040506060504" pitchFamily="66" charset="-79"/>
+              </a:rPr>
+              <a:t>2_k</a:t>
+            </a:r>
+            <a:r>
+              <a:rPr lang="en-US" sz="1600" dirty="0"/>
+              <a:t>)</a:t>
+            </a:r>
+          </a:p>
+        </p:txBody>
+      </p:sp>
+      <p:cxnSp>
+        <p:nvCxnSpPr>
+          <p:cNvPr id="44" name="Elbow Connector 43">
+            <a:extLst>
+              <a:ext uri="{FF2B5EF4-FFF2-40B4-BE49-F238E27FC236}">
+                <a16:creationId xmlns:a16="http://schemas.microsoft.com/office/drawing/2014/main" id="{A2AFD8A9-056F-AA7D-9071-F9A55548C028}"/>
+              </a:ext>
+            </a:extLst>
+          </p:cNvPr>
+          <p:cNvCxnSpPr>
+            <a:cxnSpLocks/>
+            <a:stCxn id="69" idx="1"/>
+            <a:endCxn id="42" idx="2"/>
+          </p:cNvCxnSpPr>
+          <p:nvPr/>
+        </p:nvCxnSpPr>
+        <p:spPr>
+          <a:xfrm flipV="1">
+            <a:off x="5191105" y="5529472"/>
+            <a:ext cx="1089782" cy="253450"/>
+          </a:xfrm>
+          <a:prstGeom prst="bentConnector2">
+            <a:avLst/>
+          </a:prstGeom>
+          <a:ln w="38100" cap="flat" cmpd="sng" algn="ctr">
+            <a:solidFill>
+              <a:schemeClr val="dk1"/>
+            </a:solidFill>
+            <a:prstDash val="solid"/>
+            <a:round/>
+            <a:headEnd type="none" w="med" len="med"/>
+            <a:tailEnd type="arrow" w="med" len="med"/>
+          </a:ln>
+        </p:spPr>
+        <p:style>
+          <a:lnRef idx="0">
+            <a:scrgbClr r="0" g="0" b="0"/>
+          </a:lnRef>
+          <a:fillRef idx="0">
+            <a:scrgbClr r="0" g="0" b="0"/>
+          </a:fillRef>
+          <a:effectRef idx="0">
+            <a:scrgbClr r="0" g="0" b="0"/>
+          </a:effectRef>
+          <a:fontRef idx="minor">
+            <a:schemeClr val="tx1"/>
+          </a:fontRef>
+        </p:style>
+      </p:cxnSp>
+      <p:cxnSp>
+        <p:nvCxnSpPr>
+          <p:cNvPr id="47" name="Elbow Connector 46">
+            <a:extLst>
+              <a:ext uri="{FF2B5EF4-FFF2-40B4-BE49-F238E27FC236}">
+                <a16:creationId xmlns:a16="http://schemas.microsoft.com/office/drawing/2014/main" id="{57D35D40-0BDB-B497-7E56-8DBCC0BE381F}"/>
+              </a:ext>
+            </a:extLst>
+          </p:cNvPr>
+          <p:cNvCxnSpPr>
+            <a:cxnSpLocks/>
+            <a:stCxn id="66" idx="1"/>
+            <a:endCxn id="42" idx="0"/>
+          </p:cNvCxnSpPr>
+          <p:nvPr/>
+        </p:nvCxnSpPr>
+        <p:spPr>
+          <a:xfrm>
+            <a:off x="5173884" y="4659368"/>
+            <a:ext cx="1107003" cy="254353"/>
+          </a:xfrm>
+          <a:prstGeom prst="bentConnector2">
+            <a:avLst/>
+          </a:prstGeom>
+          <a:ln w="38100" cap="flat" cmpd="sng" algn="ctr">
+            <a:solidFill>
+              <a:schemeClr val="dk1"/>
+            </a:solidFill>
+            <a:prstDash val="solid"/>
+            <a:round/>
+            <a:headEnd type="none" w="med" len="med"/>
+            <a:tailEnd type="arrow" w="med" len="med"/>
+          </a:ln>
+        </p:spPr>
+        <p:style>
+          <a:lnRef idx="0">
+            <a:scrgbClr r="0" g="0" b="0"/>
+          </a:lnRef>
+          <a:fillRef idx="0">
+            <a:scrgbClr r="0" g="0" b="0"/>
+          </a:fillRef>
+          <a:effectRef idx="0">
+            <a:scrgbClr r="0" g="0" b="0"/>
+          </a:effectRef>
+          <a:fontRef idx="minor">
+            <a:schemeClr val="tx1"/>
+          </a:fontRef>
+        </p:style>
+      </p:cxnSp>
+      <p:cxnSp>
+        <p:nvCxnSpPr>
+          <p:cNvPr id="52" name="Elbow Connector 51">
+            <a:extLst>
+              <a:ext uri="{FF2B5EF4-FFF2-40B4-BE49-F238E27FC236}">
+                <a16:creationId xmlns:a16="http://schemas.microsoft.com/office/drawing/2014/main" id="{9A35004C-8811-DF56-D5FA-E25F62731B41}"/>
+              </a:ext>
+            </a:extLst>
+          </p:cNvPr>
+          <p:cNvCxnSpPr>
+            <a:cxnSpLocks/>
+            <a:stCxn id="50" idx="3"/>
+            <a:endCxn id="114" idx="0"/>
+          </p:cNvCxnSpPr>
+          <p:nvPr/>
+        </p:nvCxnSpPr>
+        <p:spPr>
+          <a:xfrm>
+            <a:off x="7251662" y="2943891"/>
+            <a:ext cx="724796" cy="629570"/>
+          </a:xfrm>
+          <a:prstGeom prst="bentConnector2">
+            <a:avLst/>
+          </a:prstGeom>
+          <a:ln w="38100" cap="flat" cmpd="sng" algn="ctr">
+            <a:solidFill>
+              <a:schemeClr val="dk1"/>
+            </a:solidFill>
+            <a:prstDash val="solid"/>
+            <a:round/>
+            <a:headEnd type="none" w="med" len="med"/>
+            <a:tailEnd type="arrow" w="med" len="med"/>
+          </a:ln>
+        </p:spPr>
+        <p:style>
+          <a:lnRef idx="0">
+            <a:scrgbClr r="0" g="0" b="0"/>
+          </a:lnRef>
+          <a:fillRef idx="0">
+            <a:scrgbClr r="0" g="0" b="0"/>
+          </a:fillRef>
+          <a:effectRef idx="0">
+            <a:scrgbClr r="0" g="0" b="0"/>
+          </a:effectRef>
+          <a:fontRef idx="minor">
+            <a:schemeClr val="tx1"/>
+          </a:fontRef>
+        </p:style>
+      </p:cxnSp>
+      <p:sp>
+        <p:nvSpPr>
+          <p:cNvPr id="13" name="Oval 12">
+            <a:extLst>
+              <a:ext uri="{FF2B5EF4-FFF2-40B4-BE49-F238E27FC236}">
+                <a16:creationId xmlns:a16="http://schemas.microsoft.com/office/drawing/2014/main" id="{2D7FAC3F-1A6F-84D6-8FAA-E9457B1CCC50}"/>
+              </a:ext>
+            </a:extLst>
+          </p:cNvPr>
+          <p:cNvSpPr/>
+          <p:nvPr/>
+        </p:nvSpPr>
+        <p:spPr>
+          <a:xfrm>
+            <a:off x="2094193" y="5462556"/>
+            <a:ext cx="86952" cy="86952"/>
+          </a:xfrm>
+          <a:prstGeom prst="ellipse">
+            <a:avLst/>
+          </a:prstGeom>
+          <a:solidFill>
+            <a:schemeClr val="tx1"/>
+          </a:solidFill>
+          <a:ln>
+            <a:noFill/>
+          </a:ln>
+        </p:spPr>
+        <p:style>
+          <a:lnRef idx="2">
+            <a:schemeClr val="dk1">
+              <a:shade val="15000"/>
+            </a:schemeClr>
+          </a:lnRef>
+          <a:fillRef idx="1">
+            <a:schemeClr val="dk1"/>
+          </a:fillRef>
+          <a:effectRef idx="0">
+            <a:schemeClr val="dk1"/>
+          </a:effectRef>
+          <a:fontRef idx="minor">
+            <a:schemeClr val="lt1"/>
+          </a:fontRef>
+        </p:style>
+        <p:txBody>
+          <a:bodyPr rtlCol="0" anchor="ctr"/>
+          <a:lstStyle/>
+          <a:p>
+            <a:pPr algn="ctr"/>
+            <a:endParaRPr lang="en-US"/>
+          </a:p>
+        </p:txBody>
+      </p:sp>
+      <p:sp>
+        <p:nvSpPr>
+          <p:cNvPr id="39" name="Card 38">
+            <a:extLst>
+              <a:ext uri="{FF2B5EF4-FFF2-40B4-BE49-F238E27FC236}">
+                <a16:creationId xmlns:a16="http://schemas.microsoft.com/office/drawing/2014/main" id="{6879D311-2117-6055-AD9C-DBA821CB39F4}"/>
+              </a:ext>
+            </a:extLst>
+          </p:cNvPr>
+          <p:cNvSpPr/>
+          <p:nvPr/>
+        </p:nvSpPr>
+        <p:spPr>
+          <a:xfrm flipH="1">
+            <a:off x="2862218" y="1658053"/>
+            <a:ext cx="2319943" cy="1443821"/>
+          </a:xfrm>
+          <a:prstGeom prst="flowChartPunchedCard">
+            <a:avLst/>
+          </a:prstGeom>
+          <a:solidFill>
+            <a:schemeClr val="bg1"/>
+          </a:solidFill>
+          <a:ln w="41275">
+            <a:solidFill>
+              <a:schemeClr val="tx1"/>
+            </a:solidFill>
+          </a:ln>
+          <a:effectLst/>
+        </p:spPr>
+        <p:style>
+          <a:lnRef idx="1">
+            <a:schemeClr val="accent1"/>
+          </a:lnRef>
+          <a:fillRef idx="3">
+            <a:schemeClr val="accent1"/>
+          </a:fillRef>
+          <a:effectRef idx="2">
+            <a:schemeClr val="accent1"/>
+          </a:effectRef>
+          <a:fontRef idx="minor">
+            <a:schemeClr val="lt1"/>
+          </a:fontRef>
+        </p:style>
+        <p:txBody>
+          <a:bodyPr rtlCol="0" anchor="ctr"/>
+          <a:lstStyle/>
+          <a:p>
+            <a:pPr algn="ctr"/>
+            <a:r>
+              <a:rPr lang="en-US" sz="2000" dirty="0">
+                <a:solidFill>
+                  <a:schemeClr val="tx1"/>
+                </a:solidFill>
+              </a:rPr>
+              <a:t>Original </a:t>
+            </a:r>
+          </a:p>
+          <a:p>
+            <a:pPr algn="ctr"/>
+            <a:r>
+              <a:rPr lang="en-US" sz="2000" dirty="0">
+                <a:solidFill>
+                  <a:schemeClr val="tx1"/>
+                </a:solidFill>
+              </a:rPr>
+              <a:t> Implementation</a:t>
+            </a:r>
+          </a:p>
+          <a:p>
+            <a:pPr algn="ctr"/>
+            <a:r>
+              <a:rPr lang="en-US" sz="1600" dirty="0">
+                <a:solidFill>
+                  <a:schemeClr val="tx1"/>
+                </a:solidFill>
+              </a:rPr>
+              <a:t>Parameters: […, </a:t>
+            </a:r>
+            <a:r>
+              <a:rPr lang="en-US" sz="1600" b="1" dirty="0" err="1">
+                <a:solidFill>
+                  <a:schemeClr val="tx1"/>
+                </a:solidFill>
+              </a:rPr>
+              <a:t>algorithm:ball_tree</a:t>
+            </a:r>
+            <a:r>
+              <a:rPr lang="en-US" sz="1600" dirty="0">
+                <a:solidFill>
+                  <a:schemeClr val="tx1"/>
+                </a:solidFill>
+              </a:rPr>
+              <a:t>, …]</a:t>
+            </a:r>
+          </a:p>
+          <a:p>
+            <a:pPr algn="ctr"/>
+            <a:endParaRPr lang="en-US" sz="2000" dirty="0">
+              <a:solidFill>
+                <a:schemeClr val="tx1"/>
+              </a:solidFill>
+            </a:endParaRPr>
+          </a:p>
+        </p:txBody>
+      </p:sp>
+      <p:sp>
+        <p:nvSpPr>
+          <p:cNvPr id="50" name="Decision 49">
+            <a:extLst>
+              <a:ext uri="{FF2B5EF4-FFF2-40B4-BE49-F238E27FC236}">
+                <a16:creationId xmlns:a16="http://schemas.microsoft.com/office/drawing/2014/main" id="{FF511416-4C89-6A90-DCF9-B30969C93C62}"/>
+              </a:ext>
+            </a:extLst>
+          </p:cNvPr>
+          <p:cNvSpPr/>
+          <p:nvPr/>
+        </p:nvSpPr>
+        <p:spPr>
+          <a:xfrm>
+            <a:off x="5373364" y="2636015"/>
+            <a:ext cx="1878298" cy="615751"/>
+          </a:xfrm>
+          <a:prstGeom prst="flowChartDecision">
+            <a:avLst/>
+          </a:prstGeom>
+          <a:ln w="38100"/>
+        </p:spPr>
+        <p:style>
+          <a:lnRef idx="2">
+            <a:schemeClr val="dk1"/>
+          </a:lnRef>
+          <a:fillRef idx="1">
+            <a:schemeClr val="lt1"/>
+          </a:fillRef>
+          <a:effectRef idx="0">
+            <a:schemeClr val="dk1"/>
+          </a:effectRef>
+          <a:fontRef idx="minor">
+            <a:schemeClr val="dk1"/>
+          </a:fontRef>
+        </p:style>
+        <p:txBody>
+          <a:bodyPr rtlCol="0" anchor="ctr"/>
+          <a:lstStyle/>
+          <a:p>
+            <a:pPr algn="ctr"/>
+            <a:endParaRPr lang="en-US" sz="1200" dirty="0"/>
+          </a:p>
+        </p:txBody>
+      </p:sp>
+      <p:sp>
+        <p:nvSpPr>
+          <p:cNvPr id="51" name="TextBox 50">
+            <a:extLst>
+              <a:ext uri="{FF2B5EF4-FFF2-40B4-BE49-F238E27FC236}">
+                <a16:creationId xmlns:a16="http://schemas.microsoft.com/office/drawing/2014/main" id="{EC5C37B7-81E0-CB8C-8C50-3CEB1E7BA46C}"/>
+              </a:ext>
+            </a:extLst>
+          </p:cNvPr>
+          <p:cNvSpPr txBox="1"/>
+          <p:nvPr/>
+        </p:nvSpPr>
+        <p:spPr>
+          <a:xfrm>
+            <a:off x="5640557" y="2775826"/>
+            <a:ext cx="1340579" cy="336128"/>
+          </a:xfrm>
+          <a:prstGeom prst="rect">
+            <a:avLst/>
+          </a:prstGeom>
+          <a:noFill/>
+        </p:spPr>
+        <p:txBody>
+          <a:bodyPr wrap="square" rtlCol="0">
+            <a:spAutoFit/>
+          </a:bodyPr>
+          <a:lstStyle/>
+          <a:p>
+            <a:pPr algn="ctr"/>
+            <a:r>
+              <a:rPr lang="en-US" sz="1600" dirty="0"/>
+              <a:t>ARI(</a:t>
+            </a:r>
+            <a:r>
+              <a:rPr lang="en-US" sz="1600" dirty="0">
+                <a:latin typeface="Apple Chancery" panose="03020702040506060504" pitchFamily="66" charset="-79"/>
+                <a:cs typeface="Apple Chancery" panose="03020702040506060504" pitchFamily="66" charset="-79"/>
+              </a:rPr>
+              <a:t>l</a:t>
+            </a:r>
+            <a:r>
+              <a:rPr lang="en-US" sz="1600" baseline="-25000" dirty="0"/>
+              <a:t>2_o</a:t>
+            </a:r>
+            <a:r>
+              <a:rPr lang="en-US" sz="1600" dirty="0">
+                <a:latin typeface="Apple Chancery" panose="03020702040506060504" pitchFamily="66" charset="-79"/>
+                <a:cs typeface="Apple Chancery" panose="03020702040506060504" pitchFamily="66" charset="-79"/>
+              </a:rPr>
+              <a:t>,l</a:t>
+            </a:r>
+            <a:r>
+              <a:rPr lang="en-US" sz="1600" baseline="-25000" dirty="0">
+                <a:latin typeface="Apple Chancery" panose="03020702040506060504" pitchFamily="66" charset="-79"/>
+                <a:cs typeface="Apple Chancery" panose="03020702040506060504" pitchFamily="66" charset="-79"/>
+              </a:rPr>
+              <a:t>2_k</a:t>
+            </a:r>
+            <a:r>
+              <a:rPr lang="en-US" sz="1600" dirty="0"/>
+              <a:t>)</a:t>
+            </a:r>
+          </a:p>
+        </p:txBody>
+      </p:sp>
+      <p:cxnSp>
+        <p:nvCxnSpPr>
+          <p:cNvPr id="53" name="Elbow Connector 52">
+            <a:extLst>
+              <a:ext uri="{FF2B5EF4-FFF2-40B4-BE49-F238E27FC236}">
+                <a16:creationId xmlns:a16="http://schemas.microsoft.com/office/drawing/2014/main" id="{95E7A18C-77DA-0567-B18C-378BEF0B969D}"/>
+              </a:ext>
+            </a:extLst>
+          </p:cNvPr>
+          <p:cNvCxnSpPr>
+            <a:cxnSpLocks/>
+            <a:stCxn id="54" idx="1"/>
+            <a:endCxn id="50" idx="2"/>
+          </p:cNvCxnSpPr>
+          <p:nvPr/>
+        </p:nvCxnSpPr>
+        <p:spPr>
+          <a:xfrm flipV="1">
+            <a:off x="5191104" y="3251766"/>
+            <a:ext cx="1121409" cy="253450"/>
+          </a:xfrm>
+          <a:prstGeom prst="bentConnector2">
+            <a:avLst/>
+          </a:prstGeom>
+          <a:ln w="38100" cap="flat" cmpd="sng" algn="ctr">
+            <a:solidFill>
+              <a:schemeClr val="dk1"/>
+            </a:solidFill>
+            <a:prstDash val="solid"/>
+            <a:round/>
+            <a:headEnd type="none" w="med" len="med"/>
+            <a:tailEnd type="arrow" w="med" len="med"/>
+          </a:ln>
+        </p:spPr>
+        <p:style>
+          <a:lnRef idx="0">
+            <a:scrgbClr r="0" g="0" b="0"/>
+          </a:lnRef>
+          <a:fillRef idx="0">
+            <a:scrgbClr r="0" g="0" b="0"/>
+          </a:fillRef>
+          <a:effectRef idx="0">
+            <a:scrgbClr r="0" g="0" b="0"/>
+          </a:effectRef>
+          <a:fontRef idx="minor">
+            <a:schemeClr val="tx1"/>
+          </a:fontRef>
+        </p:style>
+      </p:cxnSp>
+      <p:cxnSp>
+        <p:nvCxnSpPr>
+          <p:cNvPr id="55" name="Elbow Connector 54">
+            <a:extLst>
+              <a:ext uri="{FF2B5EF4-FFF2-40B4-BE49-F238E27FC236}">
+                <a16:creationId xmlns:a16="http://schemas.microsoft.com/office/drawing/2014/main" id="{42624D75-3E0A-1080-2B50-5422232C24C3}"/>
+              </a:ext>
+            </a:extLst>
+          </p:cNvPr>
+          <p:cNvCxnSpPr>
+            <a:cxnSpLocks/>
+            <a:stCxn id="39" idx="1"/>
+            <a:endCxn id="50" idx="0"/>
+          </p:cNvCxnSpPr>
+          <p:nvPr/>
+        </p:nvCxnSpPr>
+        <p:spPr>
+          <a:xfrm>
+            <a:off x="5182161" y="2379964"/>
+            <a:ext cx="1130352" cy="256051"/>
+          </a:xfrm>
+          <a:prstGeom prst="bentConnector2">
+            <a:avLst/>
+          </a:prstGeom>
+          <a:ln w="38100" cap="flat" cmpd="sng" algn="ctr">
+            <a:solidFill>
+              <a:schemeClr val="dk1"/>
+            </a:solidFill>
+            <a:prstDash val="solid"/>
+            <a:round/>
+            <a:headEnd type="none" w="med" len="med"/>
+            <a:tailEnd type="arrow" w="med" len="med"/>
+          </a:ln>
+        </p:spPr>
+        <p:style>
+          <a:lnRef idx="0">
+            <a:scrgbClr r="0" g="0" b="0"/>
+          </a:lnRef>
+          <a:fillRef idx="0">
+            <a:scrgbClr r="0" g="0" b="0"/>
+          </a:fillRef>
+          <a:effectRef idx="0">
+            <a:scrgbClr r="0" g="0" b="0"/>
+          </a:effectRef>
+          <a:fontRef idx="minor">
+            <a:schemeClr val="tx1"/>
+          </a:fontRef>
+        </p:style>
+      </p:cxnSp>
+      <p:cxnSp>
+        <p:nvCxnSpPr>
+          <p:cNvPr id="62" name="Elbow Connector 61">
+            <a:extLst>
+              <a:ext uri="{FF2B5EF4-FFF2-40B4-BE49-F238E27FC236}">
+                <a16:creationId xmlns:a16="http://schemas.microsoft.com/office/drawing/2014/main" id="{61DDB72E-CD50-1266-E099-69A80C4042B8}"/>
+              </a:ext>
+            </a:extLst>
+          </p:cNvPr>
+          <p:cNvCxnSpPr>
+            <a:cxnSpLocks/>
+            <a:stCxn id="42" idx="3"/>
+            <a:endCxn id="114" idx="2"/>
+          </p:cNvCxnSpPr>
+          <p:nvPr/>
+        </p:nvCxnSpPr>
+        <p:spPr>
+          <a:xfrm flipV="1">
+            <a:off x="7220036" y="4638900"/>
+            <a:ext cx="756422" cy="582697"/>
+          </a:xfrm>
+          <a:prstGeom prst="bentConnector2">
+            <a:avLst/>
+          </a:prstGeom>
+          <a:ln w="38100" cap="flat" cmpd="sng" algn="ctr">
+            <a:solidFill>
+              <a:schemeClr val="dk1"/>
+            </a:solidFill>
+            <a:prstDash val="solid"/>
+            <a:round/>
+            <a:headEnd type="none" w="med" len="med"/>
+            <a:tailEnd type="arrow" w="med" len="med"/>
+          </a:ln>
+        </p:spPr>
+        <p:style>
+          <a:lnRef idx="0">
+            <a:scrgbClr r="0" g="0" b="0"/>
+          </a:lnRef>
+          <a:fillRef idx="0">
+            <a:scrgbClr r="0" g="0" b="0"/>
+          </a:fillRef>
+          <a:effectRef idx="0">
+            <a:scrgbClr r="0" g="0" b="0"/>
+          </a:effectRef>
+          <a:fontRef idx="minor">
+            <a:schemeClr val="tx1"/>
+          </a:fontRef>
+        </p:style>
+      </p:cxnSp>
+    </p:spTree>
+    <p:extLst>
+      <p:ext uri="{BB962C8B-B14F-4D97-AF65-F5344CB8AC3E}">
+        <p14:creationId xmlns:p14="http://schemas.microsoft.com/office/powerpoint/2010/main" val="312063529"/>
+      </p:ext>
+    </p:extLst>
+  </p:cSld>
+  <p:clrMapOvr>
+    <a:masterClrMapping/>
+  </p:clrMapOvr>
+</p:sld>
+</file>
+
+<file path=ppt/slides/slide3.xml><?xml version="1.0" encoding="utf-8"?>
+<p:sld xmlns:a="http://schemas.openxmlformats.org/drawingml/2006/main" xmlns:r="http://schemas.openxmlformats.org/officeDocument/2006/relationships" xmlns:p="http://schemas.openxmlformats.org/presentationml/2006/main">
+  <p:cSld>
+    <p:spTree>
+      <p:nvGrpSpPr>
+        <p:cNvPr id="1" name=""/>
+        <p:cNvGrpSpPr/>
+        <p:nvPr/>
+      </p:nvGrpSpPr>
+      <p:grpSpPr>
+        <a:xfrm>
+          <a:off x="0" y="0"/>
+          <a:ext cx="0" cy="0"/>
+          <a:chOff x="0" y="0"/>
+          <a:chExt cx="0" cy="0"/>
+        </a:xfrm>
+      </p:grpSpPr>
+      <p:sp>
+        <p:nvSpPr>
           <p:cNvPr id="4" name="Card 3">
             <a:extLst>
               <a:ext uri="{FF2B5EF4-FFF2-40B4-BE49-F238E27FC236}">
@@ -5292,7 +8268,7 @@
 </p:sld>
 </file>
 
-<file path=ppt/slides/slide2.xml><?xml version="1.0" encoding="utf-8"?>
+<file path=ppt/slides/slide4.xml><?xml version="1.0" encoding="utf-8"?>
 <p:sld xmlns:a="http://schemas.openxmlformats.org/drawingml/2006/main" xmlns:r="http://schemas.openxmlformats.org/officeDocument/2006/relationships" xmlns:p="http://schemas.openxmlformats.org/presentationml/2006/main">
   <p:cSld>
     <p:spTree>
